--- a/FYP-II Evaluation Presentation ppt.pptx
+++ b/FYP-II Evaluation Presentation ppt.pptx
@@ -5,7 +5,7 @@
     <p:sldMasterId id="2147483684" r:id="rId1"/>
   </p:sldMasterIdLst>
   <p:notesMasterIdLst>
-    <p:notesMasterId r:id="rId13"/>
+    <p:notesMasterId r:id="rId15"/>
   </p:notesMasterIdLst>
   <p:sldIdLst>
     <p:sldId id="258" r:id="rId2"/>
@@ -18,7 +18,9 @@
     <p:sldId id="263" r:id="rId9"/>
     <p:sldId id="264" r:id="rId10"/>
     <p:sldId id="265" r:id="rId11"/>
-    <p:sldId id="266" r:id="rId12"/>
+    <p:sldId id="269" r:id="rId12"/>
+    <p:sldId id="270" r:id="rId13"/>
+    <p:sldId id="266" r:id="rId14"/>
   </p:sldIdLst>
   <p:sldSz cx="9144000" cy="6858000" type="screen4x3"/>
   <p:notesSz cx="6858000" cy="9144000"/>
@@ -219,7 +221,7 @@
             <a:fld id="{5EE16272-617E-4DAF-98A7-1E249FC6E62B}" type="datetimeFigureOut">
               <a:rPr lang="en-US" smtClean="0"/>
               <a:pPr/>
-              <a:t>1/28/2025</a:t>
+              <a:t>7/7/2025</a:t>
             </a:fld>
             <a:endParaRPr lang="en-US"/>
           </a:p>
@@ -4902,7 +4904,15 @@
           <a:p>
             <a:r>
               <a:rPr lang="en-US" sz="6400" dirty="0"/>
-              <a:t>Development Core functionalities (Home page, sub pages, Admission, general, FYP form, Complaint box, Login, Timetable)</a:t>
+              <a:t>Development Core functionalities (Home page, sub pages, </a:t>
+            </a:r>
+            <a:r>
+              <a:rPr lang="en-US" sz="6400" dirty="0" smtClean="0"/>
+              <a:t>Societies page, Login credentials)</a:t>
+            </a:r>
+            <a:r>
+              <a:rPr lang="en-US" sz="6400" dirty="0"/>
+              <a:t/>
             </a:r>
             <a:br>
               <a:rPr lang="en-US" sz="6400" dirty="0"/>
@@ -5357,8 +5367,29 @@
           <a:p>
             <a:r>
               <a:rPr lang="en-US" sz="6400" dirty="0"/>
-              <a:t>Advance feature Development (Searching sorting, Announcement area, Faculty information, library Information) and Chat bot</a:t>
-            </a:r>
+              <a:t>Advance feature Development </a:t>
+            </a:r>
+            <a:r>
+              <a:rPr lang="en-US" sz="6400" dirty="0" smtClean="0"/>
+              <a:t>(Admin panel, </a:t>
+            </a:r>
+            <a:r>
+              <a:rPr lang="en-US" sz="6400" dirty="0"/>
+              <a:t>Announcement area, Faculty </a:t>
+            </a:r>
+            <a:r>
+              <a:rPr lang="en-US" sz="6400" dirty="0" smtClean="0"/>
+              <a:t>information and </a:t>
+            </a:r>
+            <a:r>
+              <a:rPr lang="en-US" sz="6400" dirty="0"/>
+              <a:t>Chat </a:t>
+            </a:r>
+            <a:r>
+              <a:rPr lang="en-US" sz="6400" dirty="0" smtClean="0"/>
+              <a:t>bot)</a:t>
+            </a:r>
+            <a:endParaRPr lang="en-US" sz="6400" dirty="0"/>
           </a:p>
           <a:p>
             <a:endParaRPr lang="en-US" sz="6400" dirty="0"/>
@@ -5607,6 +5638,350 @@
         </p:nvSpPr>
         <p:spPr/>
         <p:txBody>
+          <a:bodyPr>
+            <a:normAutofit/>
+          </a:bodyPr>
+          <a:lstStyle/>
+          <a:p>
+            <a:r>
+              <a:rPr lang="en-US" sz="3600" dirty="0" smtClean="0"/>
+              <a:t>Experimental Evaluations &amp; Results </a:t>
+            </a:r>
+            <a:endParaRPr lang="en-US" sz="3600" dirty="0"/>
+          </a:p>
+        </p:txBody>
+      </p:sp>
+      <p:sp>
+        <p:nvSpPr>
+          <p:cNvPr id="3" name="Date Placeholder 2"/>
+          <p:cNvSpPr>
+            <a:spLocks noGrp="1"/>
+          </p:cNvSpPr>
+          <p:nvPr>
+            <p:ph type="dt" sz="half" idx="10"/>
+          </p:nvPr>
+        </p:nvSpPr>
+        <p:spPr/>
+        <p:txBody>
+          <a:bodyPr/>
+          <a:lstStyle/>
+          <a:p>
+            <a:r>
+              <a:rPr lang="en-US" smtClean="0"/>
+              <a:t>CS-FYP    Hamdard University </a:t>
+            </a:r>
+            <a:endParaRPr lang="en-US" dirty="0"/>
+          </a:p>
+        </p:txBody>
+      </p:sp>
+      <p:sp>
+        <p:nvSpPr>
+          <p:cNvPr id="4" name="Footer Placeholder 3"/>
+          <p:cNvSpPr>
+            <a:spLocks noGrp="1"/>
+          </p:cNvSpPr>
+          <p:nvPr>
+            <p:ph type="ftr" sz="quarter" idx="11"/>
+          </p:nvPr>
+        </p:nvSpPr>
+        <p:spPr/>
+        <p:txBody>
+          <a:bodyPr/>
+          <a:lstStyle/>
+          <a:p>
+            <a:r>
+              <a:rPr lang="en-US" smtClean="0"/>
+              <a:t>Project Name Here</a:t>
+            </a:r>
+            <a:endParaRPr lang="en-US" dirty="0"/>
+          </a:p>
+        </p:txBody>
+      </p:sp>
+      <p:sp>
+        <p:nvSpPr>
+          <p:cNvPr id="5" name="Slide Number Placeholder 4"/>
+          <p:cNvSpPr>
+            <a:spLocks noGrp="1"/>
+          </p:cNvSpPr>
+          <p:nvPr>
+            <p:ph type="sldNum" sz="quarter" idx="12"/>
+          </p:nvPr>
+        </p:nvSpPr>
+        <p:spPr/>
+        <p:txBody>
+          <a:bodyPr/>
+          <a:lstStyle/>
+          <a:p>
+            <a:fld id="{9EBC64C3-3FC7-4C40-910B-2643F037F02C}" type="slidenum">
+              <a:rPr lang="en-US" smtClean="0"/>
+              <a:pPr/>
+              <a:t>11</a:t>
+            </a:fld>
+            <a:endParaRPr lang="en-US" dirty="0"/>
+          </a:p>
+        </p:txBody>
+      </p:sp>
+      <p:sp>
+        <p:nvSpPr>
+          <p:cNvPr id="6" name="Content Placeholder 5"/>
+          <p:cNvSpPr>
+            <a:spLocks noGrp="1"/>
+          </p:cNvSpPr>
+          <p:nvPr>
+            <p:ph sz="quarter" idx="1"/>
+          </p:nvPr>
+        </p:nvSpPr>
+        <p:spPr/>
+        <p:txBody>
+          <a:bodyPr>
+            <a:normAutofit fontScale="92500" lnSpcReduction="20000"/>
+          </a:bodyPr>
+          <a:lstStyle/>
+          <a:p>
+            <a:r>
+              <a:rPr lang="en-US" dirty="0">
+                <a:latin typeface="Times New Roman" panose="02020603050405020304" pitchFamily="18" charset="0"/>
+                <a:cs typeface="Times New Roman" panose="02020603050405020304" pitchFamily="18" charset="0"/>
+              </a:rPr>
+              <a:t>Experimental evaluations were conducted to assess the performance and usability of the Department of Computing website. The system was tested </a:t>
+            </a:r>
+            <a:r>
+              <a:rPr lang="en-US" dirty="0" smtClean="0">
+                <a:latin typeface="Times New Roman" panose="02020603050405020304" pitchFamily="18" charset="0"/>
+                <a:cs typeface="Times New Roman" panose="02020603050405020304" pitchFamily="18" charset="0"/>
+              </a:rPr>
+              <a:t>on chrome to </a:t>
+            </a:r>
+            <a:r>
+              <a:rPr lang="en-US" dirty="0">
+                <a:latin typeface="Times New Roman" panose="02020603050405020304" pitchFamily="18" charset="0"/>
+                <a:cs typeface="Times New Roman" panose="02020603050405020304" pitchFamily="18" charset="0"/>
+              </a:rPr>
+              <a:t>ensure responsiveness and compatibility. All dynamic features, including the admin panel, announcement system, faculty data, and </a:t>
+            </a:r>
+            <a:r>
+              <a:rPr lang="en-US" dirty="0" err="1">
+                <a:latin typeface="Times New Roman" panose="02020603050405020304" pitchFamily="18" charset="0"/>
+                <a:cs typeface="Times New Roman" panose="02020603050405020304" pitchFamily="18" charset="0"/>
+              </a:rPr>
+              <a:t>chatbot</a:t>
+            </a:r>
+            <a:r>
+              <a:rPr lang="en-US" dirty="0">
+                <a:latin typeface="Times New Roman" panose="02020603050405020304" pitchFamily="18" charset="0"/>
+                <a:cs typeface="Times New Roman" panose="02020603050405020304" pitchFamily="18" charset="0"/>
+              </a:rPr>
+              <a:t>, were evaluated for accuracy and stability. The SQLite database handled data operations efficiently, and the user interface was found to be intuitive. Overall, the results confirmed that the system met its functional requirements and provided a reliable and user-friendly experience for both admins and visitors.</a:t>
+            </a:r>
+          </a:p>
+        </p:txBody>
+      </p:sp>
+    </p:spTree>
+    <p:extLst>
+      <p:ext uri="{BB962C8B-B14F-4D97-AF65-F5344CB8AC3E}">
+        <p14:creationId xmlns:p14="http://schemas.microsoft.com/office/powerpoint/2010/main" val="1839717978"/>
+      </p:ext>
+    </p:extLst>
+  </p:cSld>
+  <p:clrMapOvr>
+    <a:masterClrMapping/>
+  </p:clrMapOvr>
+</p:sld>
+</file>
+
+<file path=ppt/slides/slide12.xml><?xml version="1.0" encoding="utf-8"?>
+<p:sld xmlns:a="http://schemas.openxmlformats.org/drawingml/2006/main" xmlns:r="http://schemas.openxmlformats.org/officeDocument/2006/relationships" xmlns:p="http://schemas.openxmlformats.org/presentationml/2006/main">
+  <p:cSld>
+    <p:spTree>
+      <p:nvGrpSpPr>
+        <p:cNvPr id="1" name=""/>
+        <p:cNvGrpSpPr/>
+        <p:nvPr/>
+      </p:nvGrpSpPr>
+      <p:grpSpPr>
+        <a:xfrm>
+          <a:off x="0" y="0"/>
+          <a:ext cx="0" cy="0"/>
+          <a:chOff x="0" y="0"/>
+          <a:chExt cx="0" cy="0"/>
+        </a:xfrm>
+      </p:grpSpPr>
+      <p:sp>
+        <p:nvSpPr>
+          <p:cNvPr id="2" name="Title 1"/>
+          <p:cNvSpPr>
+            <a:spLocks noGrp="1"/>
+          </p:cNvSpPr>
+          <p:nvPr>
+            <p:ph type="title"/>
+          </p:nvPr>
+        </p:nvSpPr>
+        <p:spPr/>
+        <p:txBody>
+          <a:bodyPr/>
+          <a:lstStyle/>
+          <a:p>
+            <a:r>
+              <a:rPr lang="en-US" dirty="0" smtClean="0"/>
+              <a:t>Test Plan &amp; Test Cases</a:t>
+            </a:r>
+            <a:endParaRPr lang="en-US" dirty="0"/>
+          </a:p>
+        </p:txBody>
+      </p:sp>
+      <p:sp>
+        <p:nvSpPr>
+          <p:cNvPr id="3" name="Date Placeholder 2"/>
+          <p:cNvSpPr>
+            <a:spLocks noGrp="1"/>
+          </p:cNvSpPr>
+          <p:nvPr>
+            <p:ph type="dt" sz="half" idx="10"/>
+          </p:nvPr>
+        </p:nvSpPr>
+        <p:spPr/>
+        <p:txBody>
+          <a:bodyPr/>
+          <a:lstStyle/>
+          <a:p>
+            <a:r>
+              <a:rPr lang="en-US" smtClean="0"/>
+              <a:t>CS-FYP    Hamdard University </a:t>
+            </a:r>
+            <a:endParaRPr lang="en-US" dirty="0"/>
+          </a:p>
+        </p:txBody>
+      </p:sp>
+      <p:sp>
+        <p:nvSpPr>
+          <p:cNvPr id="4" name="Footer Placeholder 3"/>
+          <p:cNvSpPr>
+            <a:spLocks noGrp="1"/>
+          </p:cNvSpPr>
+          <p:nvPr>
+            <p:ph type="ftr" sz="quarter" idx="11"/>
+          </p:nvPr>
+        </p:nvSpPr>
+        <p:spPr/>
+        <p:txBody>
+          <a:bodyPr/>
+          <a:lstStyle/>
+          <a:p>
+            <a:r>
+              <a:rPr lang="en-US" smtClean="0"/>
+              <a:t>Project Name Here</a:t>
+            </a:r>
+            <a:endParaRPr lang="en-US" dirty="0"/>
+          </a:p>
+        </p:txBody>
+      </p:sp>
+      <p:sp>
+        <p:nvSpPr>
+          <p:cNvPr id="5" name="Slide Number Placeholder 4"/>
+          <p:cNvSpPr>
+            <a:spLocks noGrp="1"/>
+          </p:cNvSpPr>
+          <p:nvPr>
+            <p:ph type="sldNum" sz="quarter" idx="12"/>
+          </p:nvPr>
+        </p:nvSpPr>
+        <p:spPr/>
+        <p:txBody>
+          <a:bodyPr/>
+          <a:lstStyle/>
+          <a:p>
+            <a:fld id="{9EBC64C3-3FC7-4C40-910B-2643F037F02C}" type="slidenum">
+              <a:rPr lang="en-US" smtClean="0"/>
+              <a:pPr/>
+              <a:t>12</a:t>
+            </a:fld>
+            <a:endParaRPr lang="en-US" dirty="0"/>
+          </a:p>
+        </p:txBody>
+      </p:sp>
+      <p:sp>
+        <p:nvSpPr>
+          <p:cNvPr id="6" name="Content Placeholder 5"/>
+          <p:cNvSpPr>
+            <a:spLocks noGrp="1"/>
+          </p:cNvSpPr>
+          <p:nvPr>
+            <p:ph sz="quarter" idx="1"/>
+          </p:nvPr>
+        </p:nvSpPr>
+        <p:spPr/>
+        <p:txBody>
+          <a:bodyPr>
+            <a:normAutofit fontScale="92500" lnSpcReduction="20000"/>
+          </a:bodyPr>
+          <a:lstStyle/>
+          <a:p>
+            <a:r>
+              <a:rPr lang="en-US" dirty="0">
+                <a:latin typeface="Times New Roman" panose="02020603050405020304" pitchFamily="18" charset="0"/>
+                <a:cs typeface="Times New Roman" panose="02020603050405020304" pitchFamily="18" charset="0"/>
+              </a:rPr>
+              <a:t>A test plan was designed to validate the core functionalities of the Department of Computing website. Key test cases included checking announcement uploads, HOD message display, faculty and coordinator data rendering, sub-page navigation (CS, SE, AI), and </a:t>
+            </a:r>
+            <a:r>
+              <a:rPr lang="en-US" dirty="0" err="1">
+                <a:latin typeface="Times New Roman" panose="02020603050405020304" pitchFamily="18" charset="0"/>
+                <a:cs typeface="Times New Roman" panose="02020603050405020304" pitchFamily="18" charset="0"/>
+              </a:rPr>
+              <a:t>chatbot</a:t>
+            </a:r>
+            <a:r>
+              <a:rPr lang="en-US" dirty="0">
+                <a:latin typeface="Times New Roman" panose="02020603050405020304" pitchFamily="18" charset="0"/>
+                <a:cs typeface="Times New Roman" panose="02020603050405020304" pitchFamily="18" charset="0"/>
+              </a:rPr>
+              <a:t> responses. The admin login system was tested for both valid and invalid credentials. Event image uploads were also verified on the society page. Each test case ensured the proper functioning of features, correct data display, and secure access. All critical features were tested manually and passed successfully during functional testing.</a:t>
+            </a:r>
+          </a:p>
+        </p:txBody>
+      </p:sp>
+    </p:spTree>
+    <p:extLst>
+      <p:ext uri="{BB962C8B-B14F-4D97-AF65-F5344CB8AC3E}">
+        <p14:creationId xmlns:p14="http://schemas.microsoft.com/office/powerpoint/2010/main" val="446426247"/>
+      </p:ext>
+    </p:extLst>
+  </p:cSld>
+  <p:clrMapOvr>
+    <a:masterClrMapping/>
+  </p:clrMapOvr>
+</p:sld>
+</file>
+
+<file path=ppt/slides/slide13.xml><?xml version="1.0" encoding="utf-8"?>
+<p:sld xmlns:a="http://schemas.openxmlformats.org/drawingml/2006/main" xmlns:r="http://schemas.openxmlformats.org/officeDocument/2006/relationships" xmlns:p="http://schemas.openxmlformats.org/presentationml/2006/main">
+  <p:cSld>
+    <p:spTree>
+      <p:nvGrpSpPr>
+        <p:cNvPr id="1" name=""/>
+        <p:cNvGrpSpPr/>
+        <p:nvPr/>
+      </p:nvGrpSpPr>
+      <p:grpSpPr>
+        <a:xfrm>
+          <a:off x="0" y="0"/>
+          <a:ext cx="0" cy="0"/>
+          <a:chOff x="0" y="0"/>
+          <a:chExt cx="0" cy="0"/>
+        </a:xfrm>
+      </p:grpSpPr>
+      <p:sp>
+        <p:nvSpPr>
+          <p:cNvPr id="2" name="Title 1"/>
+          <p:cNvSpPr>
+            <a:spLocks noGrp="1"/>
+          </p:cNvSpPr>
+          <p:nvPr>
+            <p:ph type="title"/>
+          </p:nvPr>
+        </p:nvSpPr>
+        <p:spPr/>
+        <p:txBody>
           <a:bodyPr/>
           <a:lstStyle/>
           <a:p>
@@ -5939,7 +6314,7 @@
             <a:fld id="{9EBC64C3-3FC7-4C40-910B-2643F037F02C}" type="slidenum">
               <a:rPr lang="en-US" smtClean="0"/>
               <a:pPr/>
-              <a:t>11</a:t>
+              <a:t>13</a:t>
             </a:fld>
             <a:endParaRPr lang="en-US" dirty="0"/>
           </a:p>
@@ -6287,101 +6662,48 @@
         <p:spPr/>
         <p:txBody>
           <a:bodyPr>
-            <a:normAutofit fontScale="70000" lnSpcReduction="20000"/>
+            <a:normAutofit fontScale="77500" lnSpcReduction="20000"/>
           </a:bodyPr>
           <a:lstStyle/>
           <a:p>
-            <a:pPr algn="just">
-              <a:buClr>
-                <a:srgbClr val="08A83A"/>
-              </a:buClr>
-              <a:buFont typeface="Wingdings" panose="05000000000000000000" pitchFamily="2" charset="2"/>
-              <a:buChar char="q"/>
-            </a:pPr>
             <a:r>
               <a:rPr lang="en-US" sz="3200" dirty="0">
-                <a:latin typeface="Andalus" panose="02020603050405020304" pitchFamily="18" charset="-78"/>
-                <a:cs typeface="Andalus" panose="02020603050405020304" pitchFamily="18" charset="-78"/>
+                <a:latin typeface="Times New Roman" panose="02020603050405020304" pitchFamily="18" charset="0"/>
+                <a:cs typeface="Times New Roman" panose="02020603050405020304" pitchFamily="18" charset="0"/>
               </a:rPr>
-              <a:t>There is no online website of Department of Computing</a:t>
-            </a:r>
-          </a:p>
-          <a:p>
-            <a:pPr algn="just">
-              <a:buClr>
-                <a:srgbClr val="08A83A"/>
-              </a:buClr>
-              <a:buFont typeface="Wingdings" panose="05000000000000000000" pitchFamily="2" charset="2"/>
-              <a:buChar char="q"/>
-            </a:pPr>
+              <a:t>There is no dedicated online platform for the Department of Computing. Manual processes for announcements, student queries, faculty interaction, and event updates lead to delays and confusion.</a:t>
+            </a:r>
+          </a:p>
+          <a:p>
             <a:r>
               <a:rPr lang="en-US" sz="3200" dirty="0">
-                <a:latin typeface="Andalus" panose="02020603050405020304" pitchFamily="18" charset="-78"/>
-                <a:cs typeface="Andalus" panose="02020603050405020304" pitchFamily="18" charset="-78"/>
+                <a:latin typeface="Times New Roman" panose="02020603050405020304" pitchFamily="18" charset="0"/>
+                <a:cs typeface="Times New Roman" panose="02020603050405020304" pitchFamily="18" charset="0"/>
               </a:rPr>
-              <a:t>Manual processes for form submissions (Admission form, General Application form, FYP forms, </a:t>
+              <a:t>New students lack access to key information like department overview, assigned faculty, events, and program details. There is also no centralized space to explore societies, their activities, or faculty details.</a:t>
+            </a:r>
+          </a:p>
+          <a:p>
+            <a:r>
+              <a:rPr lang="en-US" sz="3200" dirty="0">
+                <a:latin typeface="Times New Roman" panose="02020603050405020304" pitchFamily="18" charset="0"/>
+                <a:cs typeface="Times New Roman" panose="02020603050405020304" pitchFamily="18" charset="0"/>
+              </a:rPr>
+              <a:t>By developing an integrated website with sub-webpages for CS, SE, and AI, dedicated faculty pages, society section, and a </a:t>
             </a:r>
             <a:r>
               <a:rPr lang="en-US" sz="3200" dirty="0" err="1">
-                <a:latin typeface="Andalus" panose="02020603050405020304" pitchFamily="18" charset="-78"/>
-                <a:cs typeface="Andalus" panose="02020603050405020304" pitchFamily="18" charset="-78"/>
+                <a:latin typeface="Times New Roman" panose="02020603050405020304" pitchFamily="18" charset="0"/>
+                <a:cs typeface="Times New Roman" panose="02020603050405020304" pitchFamily="18" charset="0"/>
               </a:rPr>
-              <a:t>etc</a:t>
+              <a:t>chatbot</a:t>
             </a:r>
             <a:r>
               <a:rPr lang="en-US" sz="3200" dirty="0">
-                <a:latin typeface="Andalus" panose="02020603050405020304" pitchFamily="18" charset="-78"/>
-                <a:cs typeface="Andalus" panose="02020603050405020304" pitchFamily="18" charset="-78"/>
+                <a:latin typeface="Times New Roman" panose="02020603050405020304" pitchFamily="18" charset="0"/>
+                <a:cs typeface="Times New Roman" panose="02020603050405020304" pitchFamily="18" charset="0"/>
               </a:rPr>
-              <a:t>), Queries of students and faculty, complaint handling, and announcements lead to delays.</a:t>
-            </a:r>
-          </a:p>
-          <a:p>
-            <a:pPr algn="just">
-              <a:buClr>
-                <a:srgbClr val="08A83A"/>
-              </a:buClr>
-              <a:buFont typeface="Wingdings" panose="05000000000000000000" pitchFamily="2" charset="2"/>
-              <a:buChar char="q"/>
-            </a:pPr>
-            <a:r>
-              <a:rPr lang="en-US" sz="3200" dirty="0">
-                <a:latin typeface="Andalus" panose="02020603050405020304" pitchFamily="18" charset="-78"/>
-                <a:cs typeface="Andalus" panose="02020603050405020304" pitchFamily="18" charset="-78"/>
-              </a:rPr>
-              <a:t>The lack of a centralized platform for new students to access information about department, about timetables, any event occurring, which teacher is assigned to their classes . </a:t>
-            </a:r>
-          </a:p>
-          <a:p>
-            <a:pPr algn="just">
-              <a:buClr>
-                <a:srgbClr val="08A83A"/>
-              </a:buClr>
-              <a:buFont typeface="Wingdings" panose="05000000000000000000" pitchFamily="2" charset="2"/>
-              <a:buChar char="q"/>
-            </a:pPr>
-            <a:r>
-              <a:rPr lang="en-US" sz="3200" dirty="0">
-                <a:latin typeface="Andalus" panose="02020603050405020304" pitchFamily="18" charset="-78"/>
-                <a:cs typeface="Andalus" panose="02020603050405020304" pitchFamily="18" charset="-78"/>
-              </a:rPr>
-              <a:t>By developing an Integrated website, the aim is to streamline these processes, improve accessibility to information, and enhance communication within the department. </a:t>
-            </a:r>
-          </a:p>
-          <a:p>
-            <a:pPr algn="just">
-              <a:buClr>
-                <a:srgbClr val="08A83A"/>
-              </a:buClr>
-              <a:buFont typeface="Wingdings" panose="05000000000000000000" pitchFamily="2" charset="2"/>
-              <a:buChar char="q"/>
-            </a:pPr>
-            <a:r>
-              <a:rPr lang="en-US" sz="3200" dirty="0">
-                <a:latin typeface="Andalus" panose="02020603050405020304" pitchFamily="18" charset="-78"/>
-                <a:cs typeface="Andalus" panose="02020603050405020304" pitchFamily="18" charset="-78"/>
-              </a:rPr>
-              <a:t>Proposed project will address the need for a centralized system that allows for efficient management of departmental activities and better interaction between students and faculty.</a:t>
+              <a:t>, the project aims to streamline communication, improve accessibility, and centralize departmental management.</a:t>
             </a:r>
           </a:p>
         </p:txBody>
@@ -6726,7 +7048,7 @@
         <p:spPr/>
         <p:txBody>
           <a:bodyPr>
-            <a:normAutofit fontScale="62500" lnSpcReduction="20000"/>
+            <a:normAutofit fontScale="77500" lnSpcReduction="20000"/>
           </a:bodyPr>
           <a:lstStyle/>
           <a:p>
@@ -6785,11 +7107,18 @@
               <a:buChar char="q"/>
             </a:pPr>
             <a:r>
+              <a:rPr lang="en-US" sz="3200" dirty="0" smtClean="0">
+                <a:latin typeface="Andalus" panose="02020603050405020304" pitchFamily="18" charset="-78"/>
+                <a:cs typeface="Andalus" panose="02020603050405020304" pitchFamily="18" charset="-78"/>
+              </a:rPr>
+              <a:t>Detailed </a:t>
+            </a:r>
+            <a:r>
               <a:rPr lang="en-US" sz="3200" dirty="0">
                 <a:latin typeface="Andalus" panose="02020603050405020304" pitchFamily="18" charset="-78"/>
                 <a:cs typeface="Andalus" panose="02020603050405020304" pitchFamily="18" charset="-78"/>
               </a:rPr>
-              <a:t>Complaint box</a:t>
+              <a:t>Departmental Information</a:t>
             </a:r>
           </a:p>
           <a:p>
@@ -6805,8 +7134,19 @@
                 <a:latin typeface="Andalus" panose="02020603050405020304" pitchFamily="18" charset="-78"/>
                 <a:cs typeface="Andalus" panose="02020603050405020304" pitchFamily="18" charset="-78"/>
               </a:rPr>
-              <a:t>Detailed Departmental Information</a:t>
-            </a:r>
+              <a:t>Faculty </a:t>
+            </a:r>
+            <a:r>
+              <a:rPr lang="en-US" sz="3200" dirty="0" smtClean="0">
+                <a:latin typeface="Andalus" panose="02020603050405020304" pitchFamily="18" charset="-78"/>
+                <a:cs typeface="Andalus" panose="02020603050405020304" pitchFamily="18" charset="-78"/>
+              </a:rPr>
+              <a:t>pages of specific faculty</a:t>
+            </a:r>
+            <a:endParaRPr lang="en-US" sz="3200" dirty="0">
+              <a:latin typeface="Andalus" panose="02020603050405020304" pitchFamily="18" charset="-78"/>
+              <a:cs typeface="Andalus" panose="02020603050405020304" pitchFamily="18" charset="-78"/>
+            </a:endParaRPr>
           </a:p>
           <a:p>
             <a:pPr algn="just">
@@ -6821,7 +7161,7 @@
                 <a:latin typeface="Andalus" panose="02020603050405020304" pitchFamily="18" charset="-78"/>
                 <a:cs typeface="Andalus" panose="02020603050405020304" pitchFamily="18" charset="-78"/>
               </a:rPr>
-              <a:t>Faculty Information</a:t>
+              <a:t>Events, News Announcement area</a:t>
             </a:r>
           </a:p>
           <a:p>
@@ -6833,11 +7173,18 @@
               <a:buChar char="q"/>
             </a:pPr>
             <a:r>
-              <a:rPr lang="en-US" sz="3200" dirty="0">
+              <a:rPr lang="en-US" sz="3200" dirty="0" err="1" smtClean="0">
                 <a:latin typeface="Andalus" panose="02020603050405020304" pitchFamily="18" charset="-78"/>
                 <a:cs typeface="Andalus" panose="02020603050405020304" pitchFamily="18" charset="-78"/>
               </a:rPr>
-              <a:t>Events, News Announcement area</a:t>
+              <a:t>Societes</a:t>
+            </a:r>
+            <a:r>
+              <a:rPr lang="en-US" sz="3200" dirty="0" smtClean="0">
+                <a:latin typeface="Andalus" panose="02020603050405020304" pitchFamily="18" charset="-78"/>
+                <a:cs typeface="Andalus" panose="02020603050405020304" pitchFamily="18" charset="-78"/>
+              </a:rPr>
+              <a:t> page</a:t>
             </a:r>
           </a:p>
           <a:p>
@@ -6849,12 +7196,16 @@
               <a:buChar char="q"/>
             </a:pPr>
             <a:r>
-              <a:rPr lang="en-US" sz="3200" dirty="0">
+              <a:rPr lang="en-US" sz="3200" dirty="0" smtClean="0">
                 <a:latin typeface="Andalus" panose="02020603050405020304" pitchFamily="18" charset="-78"/>
                 <a:cs typeface="Andalus" panose="02020603050405020304" pitchFamily="18" charset="-78"/>
               </a:rPr>
-              <a:t>Integrated admission form, FYP form, General Application form</a:t>
-            </a:r>
+              <a:t>Admin panel to manage announcement and other things</a:t>
+            </a:r>
+            <a:endParaRPr lang="en-US" sz="3200" dirty="0">
+              <a:latin typeface="Andalus" panose="02020603050405020304" pitchFamily="18" charset="-78"/>
+              <a:cs typeface="Andalus" panose="02020603050405020304" pitchFamily="18" charset="-78"/>
+            </a:endParaRPr>
           </a:p>
           <a:p>
             <a:pPr algn="just">
@@ -6865,60 +7216,16 @@
               <a:buChar char="q"/>
             </a:pPr>
             <a:r>
-              <a:rPr lang="en-US" sz="3200" dirty="0">
-                <a:latin typeface="Andalus" panose="02020603050405020304" pitchFamily="18" charset="-78"/>
-                <a:cs typeface="Andalus" panose="02020603050405020304" pitchFamily="18" charset="-78"/>
-              </a:rPr>
-              <a:t>Section wise Timetable</a:t>
-            </a:r>
-          </a:p>
-          <a:p>
-            <a:pPr algn="just">
-              <a:buClr>
-                <a:srgbClr val="08A83A"/>
-              </a:buClr>
-              <a:buFont typeface="Wingdings" panose="05000000000000000000" pitchFamily="2" charset="2"/>
-              <a:buChar char="q"/>
-            </a:pPr>
-            <a:r>
-              <a:rPr lang="en-US" sz="3200" dirty="0">
-                <a:latin typeface="Andalus" panose="02020603050405020304" pitchFamily="18" charset="-78"/>
-                <a:cs typeface="Andalus" panose="02020603050405020304" pitchFamily="18" charset="-78"/>
-              </a:rPr>
-              <a:t>Searching/Sorting</a:t>
-            </a:r>
-          </a:p>
-          <a:p>
-            <a:pPr algn="just">
-              <a:buClr>
-                <a:srgbClr val="08A83A"/>
-              </a:buClr>
-              <a:buFont typeface="Wingdings" panose="05000000000000000000" pitchFamily="2" charset="2"/>
-              <a:buChar char="q"/>
-            </a:pPr>
-            <a:r>
-              <a:rPr lang="en-US" sz="3200" dirty="0">
+              <a:rPr lang="en-US" sz="3200" dirty="0" smtClean="0">
                 <a:latin typeface="Andalus" panose="02020603050405020304" pitchFamily="18" charset="-78"/>
                 <a:cs typeface="Andalus" panose="02020603050405020304" pitchFamily="18" charset="-78"/>
               </a:rPr>
               <a:t>Chat bot</a:t>
             </a:r>
-          </a:p>
-          <a:p>
-            <a:pPr algn="just">
-              <a:buClr>
-                <a:srgbClr val="08A83A"/>
-              </a:buClr>
-              <a:buFont typeface="Wingdings" panose="05000000000000000000" pitchFamily="2" charset="2"/>
-              <a:buChar char="q"/>
-            </a:pPr>
-            <a:r>
-              <a:rPr lang="en-US" sz="3200" dirty="0">
-                <a:latin typeface="Andalus" panose="02020603050405020304" pitchFamily="18" charset="-78"/>
-                <a:cs typeface="Andalus" panose="02020603050405020304" pitchFamily="18" charset="-78"/>
-              </a:rPr>
-              <a:t>Library Book database</a:t>
-            </a:r>
+            <a:endParaRPr lang="en-US" sz="3200" dirty="0">
+              <a:latin typeface="Andalus" panose="02020603050405020304" pitchFamily="18" charset="-78"/>
+              <a:cs typeface="Andalus" panose="02020603050405020304" pitchFamily="18" charset="-78"/>
+            </a:endParaRPr>
           </a:p>
         </p:txBody>
       </p:sp>
@@ -7301,13 +7608,7 @@
       </p:sp>
       <p:graphicFrame>
         <p:nvGraphicFramePr>
-          <p:cNvPr id="8" name="Content Placeholder 7">
-            <a:extLst>
-              <a:ext uri="{FF2B5EF4-FFF2-40B4-BE49-F238E27FC236}">
-                <a16:creationId xmlns:a16="http://schemas.microsoft.com/office/drawing/2014/main" id="{6A0639AF-A2F9-A7B3-4329-6E3FE53AC0D5}"/>
-              </a:ext>
-            </a:extLst>
-          </p:cNvPr>
+          <p:cNvPr id="7" name="Content Placeholder 6"/>
           <p:cNvGraphicFramePr>
             <a:graphicFrameLocks noGrp="1"/>
           </p:cNvGraphicFramePr>
@@ -7315,228 +7616,356 @@
             <p:ph sz="quarter" idx="1"/>
             <p:extLst>
               <p:ext uri="{D42A27DB-BD31-4B8C-83A1-F6EECF244321}">
-                <p14:modId xmlns:p14="http://schemas.microsoft.com/office/powerpoint/2010/main" val="772365269"/>
+                <p14:modId xmlns:p14="http://schemas.microsoft.com/office/powerpoint/2010/main" val="4215606781"/>
               </p:ext>
             </p:extLst>
           </p:nvPr>
         </p:nvGraphicFramePr>
         <p:xfrm>
-          <a:off x="514350" y="1279524"/>
-          <a:ext cx="8401050" cy="5719764"/>
+          <a:off x="609601" y="1752601"/>
+          <a:ext cx="7924800" cy="4343396"/>
         </p:xfrm>
         <a:graphic>
           <a:graphicData uri="http://schemas.openxmlformats.org/drawingml/2006/table">
             <a:tbl>
-              <a:tblPr firstRow="1" bandRow="1">
+              <a:tblPr firstRow="1" firstCol="1" bandRow="1">
                 <a:tableStyleId>{5C22544A-7EE6-4342-B048-85BDC9FD1C3A}</a:tableStyleId>
               </a:tblPr>
               <a:tblGrid>
-                <a:gridCol w="1543050">
+                <a:gridCol w="1379205">
                   <a:extLst>
                     <a:ext uri="{9D8B030D-6E8A-4147-A177-3AD203B41FA5}">
-                      <a16:colId xmlns:a16="http://schemas.microsoft.com/office/drawing/2014/main" val="3945822873"/>
+                      <a16:colId xmlns:a16="http://schemas.microsoft.com/office/drawing/2014/main" val="1253326523"/>
                     </a:ext>
                   </a:extLst>
                 </a:gridCol>
-                <a:gridCol w="1371600">
+                <a:gridCol w="1111375">
                   <a:extLst>
                     <a:ext uri="{9D8B030D-6E8A-4147-A177-3AD203B41FA5}">
-                      <a16:colId xmlns:a16="http://schemas.microsoft.com/office/drawing/2014/main" val="590205264"/>
+                      <a16:colId xmlns:a16="http://schemas.microsoft.com/office/drawing/2014/main" val="3887617245"/>
                     </a:ext>
                   </a:extLst>
                 </a:gridCol>
-                <a:gridCol w="990600">
+                <a:gridCol w="959519">
                   <a:extLst>
                     <a:ext uri="{9D8B030D-6E8A-4147-A177-3AD203B41FA5}">
-                      <a16:colId xmlns:a16="http://schemas.microsoft.com/office/drawing/2014/main" val="1436320969"/>
+                      <a16:colId xmlns:a16="http://schemas.microsoft.com/office/drawing/2014/main" val="1450640964"/>
                     </a:ext>
                   </a:extLst>
                 </a:gridCol>
-                <a:gridCol w="1371600">
+                <a:gridCol w="1239867">
                   <a:extLst>
                     <a:ext uri="{9D8B030D-6E8A-4147-A177-3AD203B41FA5}">
-                      <a16:colId xmlns:a16="http://schemas.microsoft.com/office/drawing/2014/main" val="525605241"/>
+                      <a16:colId xmlns:a16="http://schemas.microsoft.com/office/drawing/2014/main" val="3816981392"/>
                     </a:ext>
                   </a:extLst>
                 </a:gridCol>
-                <a:gridCol w="838200">
+                <a:gridCol w="787641">
                   <a:extLst>
                     <a:ext uri="{9D8B030D-6E8A-4147-A177-3AD203B41FA5}">
-                      <a16:colId xmlns:a16="http://schemas.microsoft.com/office/drawing/2014/main" val="1147874638"/>
+                      <a16:colId xmlns:a16="http://schemas.microsoft.com/office/drawing/2014/main" val="633988200"/>
                     </a:ext>
                   </a:extLst>
                 </a:gridCol>
-                <a:gridCol w="1219200">
+                <a:gridCol w="1390887">
                   <a:extLst>
                     <a:ext uri="{9D8B030D-6E8A-4147-A177-3AD203B41FA5}">
-                      <a16:colId xmlns:a16="http://schemas.microsoft.com/office/drawing/2014/main" val="3864530677"/>
+                      <a16:colId xmlns:a16="http://schemas.microsoft.com/office/drawing/2014/main" val="3266344894"/>
                     </a:ext>
                   </a:extLst>
                 </a:gridCol>
-                <a:gridCol w="1066800">
+                <a:gridCol w="1056306">
                   <a:extLst>
                     <a:ext uri="{9D8B030D-6E8A-4147-A177-3AD203B41FA5}">
-                      <a16:colId xmlns:a16="http://schemas.microsoft.com/office/drawing/2014/main" val="63203698"/>
+                      <a16:colId xmlns:a16="http://schemas.microsoft.com/office/drawing/2014/main" val="837497482"/>
                     </a:ext>
                   </a:extLst>
                 </a:gridCol>
               </a:tblGrid>
-              <a:tr h="853848">
+              <a:tr h="959230">
                 <a:tc>
                   <a:txBody>
                     <a:bodyPr/>
                     <a:lstStyle/>
                     <a:p>
-                      <a:pPr algn="ctr"/>
+                      <a:pPr marL="0" marR="0" algn="ctr">
+                        <a:lnSpc>
+                          <a:spcPct val="107000"/>
+                        </a:lnSpc>
+                        <a:spcBef>
+                          <a:spcPts val="0"/>
+                        </a:spcBef>
+                        <a:spcAft>
+                          <a:spcPts val="0"/>
+                        </a:spcAft>
+                      </a:pPr>
                       <a:r>
-                        <a:rPr lang="en-US" dirty="0"/>
+                        <a:rPr lang="en-US" sz="1200" dirty="0">
+                          <a:effectLst/>
+                        </a:rPr>
                         <a:t>Features</a:t>
                       </a:r>
+                      <a:endParaRPr lang="en-US" sz="1200" dirty="0">
+                        <a:effectLst/>
+                        <a:latin typeface="Calibri" panose="020F0502020204030204" pitchFamily="34" charset="0"/>
+                        <a:ea typeface="Calibri" panose="020F0502020204030204" pitchFamily="34" charset="0"/>
+                        <a:cs typeface="Times New Roman" panose="02020603050405020304" pitchFamily="18" charset="0"/>
+                      </a:endParaRPr>
                     </a:p>
                   </a:txBody>
-                  <a:tcPr/>
+                  <a:tcPr marL="68580" marR="68580" marT="0" marB="0"/>
                 </a:tc>
                 <a:tc>
                   <a:txBody>
                     <a:bodyPr/>
                     <a:lstStyle/>
                     <a:p>
-                      <a:pPr algn="ctr"/>
+                      <a:pPr marL="0" marR="0" algn="ctr">
+                        <a:lnSpc>
+                          <a:spcPct val="107000"/>
+                        </a:lnSpc>
+                        <a:spcBef>
+                          <a:spcPts val="0"/>
+                        </a:spcBef>
+                        <a:spcAft>
+                          <a:spcPts val="0"/>
+                        </a:spcAft>
+                      </a:pPr>
                       <a:r>
-                        <a:rPr lang="en-US" dirty="0"/>
-                        <a:t>University</a:t>
+                        <a:rPr lang="en-US" sz="1200" dirty="0">
+                          <a:effectLst/>
+                        </a:rPr>
+                        <a:t>University of Sindh, </a:t>
                       </a:r>
                       <a:r>
-                        <a:rPr lang="en-US" baseline="0" dirty="0"/>
-                        <a:t> of Sindh,</a:t>
-                      </a:r>
-                    </a:p>
-                    <a:p>
-                      <a:pPr algn="ctr"/>
-                      <a:r>
-                        <a:rPr lang="en-US" baseline="0" dirty="0" err="1"/>
+                        <a:rPr lang="en-US" sz="1200" dirty="0" err="1">
+                          <a:effectLst/>
+                        </a:rPr>
                         <a:t>Jamshoro</a:t>
                       </a:r>
-                      <a:endParaRPr lang="en-US" dirty="0"/>
+                      <a:endParaRPr lang="en-US" sz="1200" dirty="0">
+                        <a:effectLst/>
+                        <a:latin typeface="Calibri" panose="020F0502020204030204" pitchFamily="34" charset="0"/>
+                        <a:ea typeface="Calibri" panose="020F0502020204030204" pitchFamily="34" charset="0"/>
+                        <a:cs typeface="Times New Roman" panose="02020603050405020304" pitchFamily="18" charset="0"/>
+                      </a:endParaRPr>
                     </a:p>
                   </a:txBody>
-                  <a:tcPr/>
+                  <a:tcPr marL="68580" marR="68580" marT="0" marB="0"/>
                 </a:tc>
                 <a:tc>
                   <a:txBody>
                     <a:bodyPr/>
                     <a:lstStyle/>
                     <a:p>
-                      <a:pPr algn="ctr"/>
+                      <a:pPr marL="0" marR="0" algn="ctr">
+                        <a:lnSpc>
+                          <a:spcPct val="107000"/>
+                        </a:lnSpc>
+                        <a:spcBef>
+                          <a:spcPts val="0"/>
+                        </a:spcBef>
+                        <a:spcAft>
+                          <a:spcPts val="0"/>
+                        </a:spcAft>
+                      </a:pPr>
                       <a:r>
-                        <a:rPr lang="en-US" dirty="0"/>
-                        <a:t>IBA</a:t>
+                        <a:rPr lang="en-US" sz="1200">
+                          <a:effectLst/>
+                        </a:rPr>
+                        <a:t>IBA, Karachi</a:t>
                       </a:r>
-                      <a:r>
-                        <a:rPr lang="en-US" baseline="0" dirty="0"/>
-                        <a:t>, Karachi</a:t>
-                      </a:r>
-                      <a:endParaRPr lang="en-US" dirty="0"/>
+                      <a:endParaRPr lang="en-US" sz="1200">
+                        <a:effectLst/>
+                        <a:latin typeface="Calibri" panose="020F0502020204030204" pitchFamily="34" charset="0"/>
+                        <a:ea typeface="Calibri" panose="020F0502020204030204" pitchFamily="34" charset="0"/>
+                        <a:cs typeface="Times New Roman" panose="02020603050405020304" pitchFamily="18" charset="0"/>
+                      </a:endParaRPr>
                     </a:p>
                   </a:txBody>
-                  <a:tcPr/>
+                  <a:tcPr marL="68580" marR="68580" marT="0" marB="0"/>
                 </a:tc>
                 <a:tc>
                   <a:txBody>
                     <a:bodyPr/>
                     <a:lstStyle/>
                     <a:p>
+                      <a:pPr marL="0" marR="0" algn="ctr">
+                        <a:lnSpc>
+                          <a:spcPct val="107000"/>
+                        </a:lnSpc>
+                        <a:spcBef>
+                          <a:spcPts val="0"/>
+                        </a:spcBef>
+                        <a:spcAft>
+                          <a:spcPts val="0"/>
+                        </a:spcAft>
+                      </a:pPr>
                       <a:r>
-                        <a:rPr lang="en-US" dirty="0"/>
-                        <a:t>University</a:t>
+                        <a:rPr lang="en-US" sz="1200">
+                          <a:effectLst/>
+                        </a:rPr>
+                        <a:t>University of Lahore</a:t>
                       </a:r>
-                      <a:r>
-                        <a:rPr lang="en-US" baseline="0" dirty="0"/>
-                        <a:t> of Lahore</a:t>
-                      </a:r>
-                      <a:endParaRPr lang="en-US" dirty="0"/>
+                      <a:endParaRPr lang="en-US" sz="1200">
+                        <a:effectLst/>
+                        <a:latin typeface="Calibri" panose="020F0502020204030204" pitchFamily="34" charset="0"/>
+                        <a:ea typeface="Calibri" panose="020F0502020204030204" pitchFamily="34" charset="0"/>
+                        <a:cs typeface="Times New Roman" panose="02020603050405020304" pitchFamily="18" charset="0"/>
+                      </a:endParaRPr>
                     </a:p>
                   </a:txBody>
-                  <a:tcPr/>
+                  <a:tcPr marL="68580" marR="68580" marT="0" marB="0"/>
                 </a:tc>
                 <a:tc>
                   <a:txBody>
                     <a:bodyPr/>
                     <a:lstStyle/>
                     <a:p>
+                      <a:pPr marL="0" marR="0" algn="ctr">
+                        <a:lnSpc>
+                          <a:spcPct val="107000"/>
+                        </a:lnSpc>
+                        <a:spcBef>
+                          <a:spcPts val="0"/>
+                        </a:spcBef>
+                        <a:spcAft>
+                          <a:spcPts val="0"/>
+                        </a:spcAft>
+                      </a:pPr>
                       <a:r>
-                        <a:rPr lang="en-US" dirty="0"/>
+                        <a:rPr lang="en-US" sz="1200">
+                          <a:effectLst/>
+                        </a:rPr>
                         <a:t>KUST</a:t>
                       </a:r>
+                      <a:endParaRPr lang="en-US" sz="1200">
+                        <a:effectLst/>
+                        <a:latin typeface="Calibri" panose="020F0502020204030204" pitchFamily="34" charset="0"/>
+                        <a:ea typeface="Calibri" panose="020F0502020204030204" pitchFamily="34" charset="0"/>
+                        <a:cs typeface="Times New Roman" panose="02020603050405020304" pitchFamily="18" charset="0"/>
+                      </a:endParaRPr>
                     </a:p>
                   </a:txBody>
-                  <a:tcPr/>
+                  <a:tcPr marL="68580" marR="68580" marT="0" marB="0"/>
                 </a:tc>
                 <a:tc>
                   <a:txBody>
                     <a:bodyPr/>
                     <a:lstStyle/>
                     <a:p>
+                      <a:pPr marL="0" marR="0" algn="ctr">
+                        <a:lnSpc>
+                          <a:spcPct val="107000"/>
+                        </a:lnSpc>
+                        <a:spcBef>
+                          <a:spcPts val="0"/>
+                        </a:spcBef>
+                        <a:spcAft>
+                          <a:spcPts val="0"/>
+                        </a:spcAft>
+                      </a:pPr>
                       <a:r>
-                        <a:rPr lang="en-US" dirty="0"/>
+                        <a:rPr lang="en-US" sz="1200">
+                          <a:effectLst/>
+                        </a:rPr>
                         <a:t>Air University Pakistan</a:t>
                       </a:r>
+                      <a:endParaRPr lang="en-US" sz="1200">
+                        <a:effectLst/>
+                        <a:latin typeface="Calibri" panose="020F0502020204030204" pitchFamily="34" charset="0"/>
+                        <a:ea typeface="Calibri" panose="020F0502020204030204" pitchFamily="34" charset="0"/>
+                        <a:cs typeface="Times New Roman" panose="02020603050405020304" pitchFamily="18" charset="0"/>
+                      </a:endParaRPr>
                     </a:p>
                   </a:txBody>
-                  <a:tcPr/>
+                  <a:tcPr marL="68580" marR="68580" marT="0" marB="0"/>
                 </a:tc>
                 <a:tc>
                   <a:txBody>
                     <a:bodyPr/>
                     <a:lstStyle/>
                     <a:p>
+                      <a:pPr marL="0" marR="0" algn="ctr">
+                        <a:lnSpc>
+                          <a:spcPct val="107000"/>
+                        </a:lnSpc>
+                        <a:spcBef>
+                          <a:spcPts val="0"/>
+                        </a:spcBef>
+                        <a:spcAft>
+                          <a:spcPts val="0"/>
+                        </a:spcAft>
+                      </a:pPr>
                       <a:r>
-                        <a:rPr lang="en-US" dirty="0"/>
+                        <a:rPr lang="en-US" sz="1200" dirty="0">
+                          <a:effectLst/>
+                        </a:rPr>
                         <a:t>DOC </a:t>
                       </a:r>
-                    </a:p>
-                    <a:p>
                       <a:r>
-                        <a:rPr lang="en-US" dirty="0"/>
+                        <a:rPr lang="en-US" sz="1200" dirty="0" smtClean="0">
+                          <a:effectLst/>
+                        </a:rPr>
                         <a:t>FEST-HU</a:t>
                       </a:r>
+                      <a:endParaRPr lang="en-US" sz="1200" dirty="0">
+                        <a:effectLst/>
+                        <a:latin typeface="Calibri" panose="020F0502020204030204" pitchFamily="34" charset="0"/>
+                        <a:ea typeface="Calibri" panose="020F0502020204030204" pitchFamily="34" charset="0"/>
+                        <a:cs typeface="Times New Roman" panose="02020603050405020304" pitchFamily="18" charset="0"/>
+                      </a:endParaRPr>
                     </a:p>
                   </a:txBody>
-                  <a:tcPr/>
+                  <a:tcPr marL="68580" marR="68580" marT="0" marB="0"/>
                 </a:tc>
                 <a:extLst>
                   <a:ext uri="{0D108BD9-81ED-4DB2-BD59-A6C34878D82A}">
-                    <a16:rowId xmlns:a16="http://schemas.microsoft.com/office/drawing/2014/main" val="3932392166"/>
+                    <a16:rowId xmlns:a16="http://schemas.microsoft.com/office/drawing/2014/main" val="4033694799"/>
                   </a:ext>
                 </a:extLst>
               </a:tr>
-              <a:tr h="370001">
+              <a:tr h="399575">
                 <a:tc>
                   <a:txBody>
                     <a:bodyPr/>
                     <a:lstStyle/>
                     <a:p>
+                      <a:pPr marL="0" marR="0" algn="ctr">
+                        <a:lnSpc>
+                          <a:spcPct val="107000"/>
+                        </a:lnSpc>
+                        <a:spcBef>
+                          <a:spcPts val="0"/>
+                        </a:spcBef>
+                        <a:spcAft>
+                          <a:spcPts val="0"/>
+                        </a:spcAft>
+                      </a:pPr>
                       <a:r>
-                        <a:rPr lang="en-US" sz="1200" dirty="0"/>
-                        <a:t>Home</a:t>
+                        <a:rPr lang="en-US" sz="1200">
+                          <a:effectLst/>
+                        </a:rPr>
+                        <a:t>Home Page</a:t>
                       </a:r>
-                      <a:r>
-                        <a:rPr lang="en-US" sz="1200" baseline="0" dirty="0"/>
-                        <a:t> page</a:t>
-                      </a:r>
-                      <a:endParaRPr lang="en-US" sz="1200" dirty="0"/>
+                      <a:endParaRPr lang="en-US" sz="1200">
+                        <a:effectLst/>
+                        <a:latin typeface="Calibri" panose="020F0502020204030204" pitchFamily="34" charset="0"/>
+                        <a:ea typeface="Calibri" panose="020F0502020204030204" pitchFamily="34" charset="0"/>
+                        <a:cs typeface="Times New Roman" panose="02020603050405020304" pitchFamily="18" charset="0"/>
+                      </a:endParaRPr>
                     </a:p>
                   </a:txBody>
-                  <a:tcPr/>
+                  <a:tcPr marL="68580" marR="68580" marT="0" marB="0"/>
                 </a:tc>
                 <a:tc>
                   <a:txBody>
                     <a:bodyPr/>
                     <a:lstStyle/>
                     <a:p>
-                      <a:pPr marL="0" marR="0" indent="0" algn="ctr" defTabSz="914400" rtl="0" eaLnBrk="1" fontAlgn="auto" latinLnBrk="0" hangingPunct="1">
+                      <a:pPr marL="0" marR="0" algn="ctr">
                         <a:lnSpc>
-                          <a:spcPct val="100000"/>
+                          <a:spcPct val="107000"/>
                         </a:lnSpc>
                         <a:spcBef>
                           <a:spcPts val="0"/>
@@ -7544,32 +7973,32 @@
                         <a:spcAft>
                           <a:spcPts val="0"/>
                         </a:spcAft>
-                        <a:buClrTx/>
-                        <a:buSzTx/>
-                        <a:buFont typeface="Wingdings" panose="05000000000000000000" pitchFamily="2" charset="2"/>
-                        <a:buNone/>
-                        <a:tabLst/>
-                        <a:defRPr/>
                       </a:pPr>
                       <a:r>
-                        <a:rPr lang="en-US" sz="2000" b="1" dirty="0">
-                          <a:sym typeface="Webdings" panose="05030102010509060703" pitchFamily="18" charset="2"/>
+                        <a:rPr lang="en-US" sz="1200" dirty="0">
+                          <a:effectLst/>
+                          <a:sym typeface="Wingdings 2" panose="05020102010507070707" pitchFamily="18" charset="2"/>
                         </a:rPr>
-                        <a:t></a:t>
+                        <a:t></a:t>
                       </a:r>
-                      <a:endParaRPr lang="en-US" sz="2000" b="1" dirty="0"/>
+                      <a:endParaRPr lang="en-US" sz="1200" dirty="0">
+                        <a:effectLst/>
+                        <a:latin typeface="Calibri" panose="020F0502020204030204" pitchFamily="34" charset="0"/>
+                        <a:ea typeface="Calibri" panose="020F0502020204030204" pitchFamily="34" charset="0"/>
+                        <a:cs typeface="Times New Roman" panose="02020603050405020304" pitchFamily="18" charset="0"/>
+                      </a:endParaRPr>
                     </a:p>
                   </a:txBody>
-                  <a:tcPr/>
+                  <a:tcPr marL="68580" marR="68580" marT="0" marB="0"/>
                 </a:tc>
                 <a:tc>
                   <a:txBody>
                     <a:bodyPr/>
                     <a:lstStyle/>
                     <a:p>
-                      <a:pPr marL="0" marR="0" indent="0" algn="ctr" defTabSz="914400" rtl="0" eaLnBrk="1" fontAlgn="auto" latinLnBrk="0" hangingPunct="1">
+                      <a:pPr marL="0" marR="0" algn="ctr">
                         <a:lnSpc>
-                          <a:spcPct val="100000"/>
+                          <a:spcPct val="107000"/>
                         </a:lnSpc>
                         <a:spcBef>
                           <a:spcPts val="0"/>
@@ -7577,128 +8006,203 @@
                         <a:spcAft>
                           <a:spcPts val="0"/>
                         </a:spcAft>
-                        <a:buClrTx/>
-                        <a:buSzTx/>
-                        <a:buFont typeface="Wingdings" panose="05000000000000000000" pitchFamily="2" charset="2"/>
-                        <a:buNone/>
-                        <a:tabLst/>
-                        <a:defRPr/>
                       </a:pPr>
                       <a:r>
-                        <a:rPr lang="en-US" sz="2000" b="1" dirty="0">
-                          <a:sym typeface="Webdings" panose="05030102010509060703" pitchFamily="18" charset="2"/>
+                        <a:rPr lang="en-US" sz="1200">
+                          <a:effectLst/>
+                          <a:sym typeface="Wingdings 2" panose="05020102010507070707" pitchFamily="18" charset="2"/>
                         </a:rPr>
-                        <a:t></a:t>
+                        <a:t></a:t>
                       </a:r>
-                      <a:endParaRPr lang="en-US" sz="2000" b="1" dirty="0"/>
+                      <a:endParaRPr lang="en-US" sz="1200">
+                        <a:effectLst/>
+                        <a:latin typeface="Calibri" panose="020F0502020204030204" pitchFamily="34" charset="0"/>
+                        <a:ea typeface="Calibri" panose="020F0502020204030204" pitchFamily="34" charset="0"/>
+                        <a:cs typeface="Times New Roman" panose="02020603050405020304" pitchFamily="18" charset="0"/>
+                      </a:endParaRPr>
                     </a:p>
                   </a:txBody>
-                  <a:tcPr/>
+                  <a:tcPr marL="68580" marR="68580" marT="0" marB="0"/>
                 </a:tc>
                 <a:tc>
                   <a:txBody>
                     <a:bodyPr/>
                     <a:lstStyle/>
                     <a:p>
-                      <a:pPr marL="0" indent="0" algn="ctr">
-                        <a:buFont typeface="Wingdings" panose="05000000000000000000" pitchFamily="2" charset="2"/>
-                        <a:buNone/>
+                      <a:pPr marL="0" marR="0" algn="ctr">
+                        <a:lnSpc>
+                          <a:spcPct val="107000"/>
+                        </a:lnSpc>
+                        <a:spcBef>
+                          <a:spcPts val="0"/>
+                        </a:spcBef>
+                        <a:spcAft>
+                          <a:spcPts val="0"/>
+                        </a:spcAft>
                       </a:pPr>
                       <a:r>
-                        <a:rPr lang="en-US" sz="2000" b="1" dirty="0">
-                          <a:sym typeface="Webdings" panose="05030102010509060703" pitchFamily="18" charset="2"/>
+                        <a:rPr lang="en-US" sz="1200">
+                          <a:effectLst/>
+                          <a:sym typeface="Wingdings 2" panose="05020102010507070707" pitchFamily="18" charset="2"/>
                         </a:rPr>
-                        <a:t></a:t>
+                        <a:t></a:t>
                       </a:r>
-                      <a:endParaRPr lang="en-US" sz="2000" b="1" dirty="0"/>
+                      <a:endParaRPr lang="en-US" sz="1200">
+                        <a:effectLst/>
+                        <a:latin typeface="Calibri" panose="020F0502020204030204" pitchFamily="34" charset="0"/>
+                        <a:ea typeface="Calibri" panose="020F0502020204030204" pitchFamily="34" charset="0"/>
+                        <a:cs typeface="Times New Roman" panose="02020603050405020304" pitchFamily="18" charset="0"/>
+                      </a:endParaRPr>
                     </a:p>
                   </a:txBody>
-                  <a:tcPr/>
+                  <a:tcPr marL="68580" marR="68580" marT="0" marB="0"/>
                 </a:tc>
                 <a:tc>
                   <a:txBody>
                     <a:bodyPr/>
                     <a:lstStyle/>
                     <a:p>
-                      <a:pPr algn="ctr"/>
+                      <a:pPr marL="0" marR="0" algn="ctr">
+                        <a:lnSpc>
+                          <a:spcPct val="107000"/>
+                        </a:lnSpc>
+                        <a:spcBef>
+                          <a:spcPts val="0"/>
+                        </a:spcBef>
+                        <a:spcAft>
+                          <a:spcPts val="0"/>
+                        </a:spcAft>
+                      </a:pPr>
                       <a:r>
-                        <a:rPr lang="en-US" sz="1800" b="1" dirty="0">
-                          <a:sym typeface="Webdings" panose="05030102010509060703" pitchFamily="18" charset="2"/>
+                        <a:rPr lang="en-US" sz="1200">
+                          <a:effectLst/>
+                          <a:sym typeface="Wingdings 2" panose="05020102010507070707" pitchFamily="18" charset="2"/>
                         </a:rPr>
-                        <a:t></a:t>
+                        <a:t></a:t>
                       </a:r>
-                      <a:endParaRPr lang="en-US" dirty="0"/>
+                      <a:endParaRPr lang="en-US" sz="1200">
+                        <a:effectLst/>
+                        <a:latin typeface="Calibri" panose="020F0502020204030204" pitchFamily="34" charset="0"/>
+                        <a:ea typeface="Calibri" panose="020F0502020204030204" pitchFamily="34" charset="0"/>
+                        <a:cs typeface="Times New Roman" panose="02020603050405020304" pitchFamily="18" charset="0"/>
+                      </a:endParaRPr>
                     </a:p>
                   </a:txBody>
-                  <a:tcPr/>
+                  <a:tcPr marL="68580" marR="68580" marT="0" marB="0"/>
                 </a:tc>
                 <a:tc>
                   <a:txBody>
                     <a:bodyPr/>
                     <a:lstStyle/>
                     <a:p>
-                      <a:pPr algn="ctr"/>
+                      <a:pPr marL="0" marR="0" algn="ctr">
+                        <a:lnSpc>
+                          <a:spcPct val="107000"/>
+                        </a:lnSpc>
+                        <a:spcBef>
+                          <a:spcPts val="0"/>
+                        </a:spcBef>
+                        <a:spcAft>
+                          <a:spcPts val="0"/>
+                        </a:spcAft>
+                      </a:pPr>
                       <a:r>
-                        <a:rPr lang="en-US" sz="1800" b="1" dirty="0">
-                          <a:sym typeface="Webdings" panose="05030102010509060703" pitchFamily="18" charset="2"/>
+                        <a:rPr lang="en-US" sz="1200">
+                          <a:effectLst/>
+                          <a:sym typeface="Wingdings 2" panose="05020102010507070707" pitchFamily="18" charset="2"/>
                         </a:rPr>
-                        <a:t></a:t>
+                        <a:t></a:t>
                       </a:r>
-                      <a:endParaRPr lang="en-US" dirty="0"/>
+                      <a:endParaRPr lang="en-US" sz="1200">
+                        <a:effectLst/>
+                        <a:latin typeface="Calibri" panose="020F0502020204030204" pitchFamily="34" charset="0"/>
+                        <a:ea typeface="Calibri" panose="020F0502020204030204" pitchFamily="34" charset="0"/>
+                        <a:cs typeface="Times New Roman" panose="02020603050405020304" pitchFamily="18" charset="0"/>
+                      </a:endParaRPr>
                     </a:p>
                   </a:txBody>
-                  <a:tcPr/>
+                  <a:tcPr marL="68580" marR="68580" marT="0" marB="0"/>
                 </a:tc>
                 <a:tc>
                   <a:txBody>
                     <a:bodyPr/>
                     <a:lstStyle/>
                     <a:p>
-                      <a:pPr algn="ctr"/>
+                      <a:pPr marL="0" marR="0" algn="ctr">
+                        <a:lnSpc>
+                          <a:spcPct val="107000"/>
+                        </a:lnSpc>
+                        <a:spcBef>
+                          <a:spcPts val="0"/>
+                        </a:spcBef>
+                        <a:spcAft>
+                          <a:spcPts val="0"/>
+                        </a:spcAft>
+                      </a:pPr>
                       <a:r>
-                        <a:rPr lang="en-US" sz="1800" b="1" dirty="0">
-                          <a:sym typeface="Webdings" panose="05030102010509060703" pitchFamily="18" charset="2"/>
+                        <a:rPr lang="en-US" sz="1200">
+                          <a:effectLst/>
+                          <a:sym typeface="Wingdings 2" panose="05020102010507070707" pitchFamily="18" charset="2"/>
                         </a:rPr>
-                        <a:t></a:t>
+                        <a:t></a:t>
                       </a:r>
-                      <a:endParaRPr lang="en-US" dirty="0"/>
+                      <a:endParaRPr lang="en-US" sz="1200">
+                        <a:effectLst/>
+                        <a:latin typeface="Calibri" panose="020F0502020204030204" pitchFamily="34" charset="0"/>
+                        <a:ea typeface="Calibri" panose="020F0502020204030204" pitchFamily="34" charset="0"/>
+                        <a:cs typeface="Times New Roman" panose="02020603050405020304" pitchFamily="18" charset="0"/>
+                      </a:endParaRPr>
                     </a:p>
                   </a:txBody>
-                  <a:tcPr/>
+                  <a:tcPr marL="68580" marR="68580" marT="0" marB="0"/>
                 </a:tc>
                 <a:extLst>
                   <a:ext uri="{0D108BD9-81ED-4DB2-BD59-A6C34878D82A}">
-                    <a16:rowId xmlns:a16="http://schemas.microsoft.com/office/drawing/2014/main" val="83810673"/>
+                    <a16:rowId xmlns:a16="http://schemas.microsoft.com/office/drawing/2014/main" val="3911393627"/>
                   </a:ext>
                 </a:extLst>
               </a:tr>
-              <a:tr h="426924">
+              <a:tr h="648805">
                 <a:tc>
                   <a:txBody>
                     <a:bodyPr/>
                     <a:lstStyle/>
                     <a:p>
+                      <a:pPr marL="0" marR="0" algn="ctr">
+                        <a:lnSpc>
+                          <a:spcPct val="107000"/>
+                        </a:lnSpc>
+                        <a:spcBef>
+                          <a:spcPts val="0"/>
+                        </a:spcBef>
+                        <a:spcAft>
+                          <a:spcPts val="0"/>
+                        </a:spcAft>
+                      </a:pPr>
                       <a:r>
-                        <a:rPr lang="en-US" sz="1200" dirty="0"/>
-                        <a:t>Sub-web pages</a:t>
+                        <a:rPr lang="en-US" sz="1200">
+                          <a:effectLst/>
+                        </a:rPr>
+                        <a:t>Sub Web pages of CS, SE, AI</a:t>
                       </a:r>
-                      <a:r>
-                        <a:rPr lang="en-US" sz="1200" baseline="0" dirty="0"/>
-                        <a:t> of CS, SE, AI</a:t>
-                      </a:r>
-                      <a:endParaRPr lang="en-US" sz="1200" dirty="0"/>
+                      <a:endParaRPr lang="en-US" sz="1200">
+                        <a:effectLst/>
+                        <a:latin typeface="Calibri" panose="020F0502020204030204" pitchFamily="34" charset="0"/>
+                        <a:ea typeface="Calibri" panose="020F0502020204030204" pitchFamily="34" charset="0"/>
+                        <a:cs typeface="Times New Roman" panose="02020603050405020304" pitchFamily="18" charset="0"/>
+                      </a:endParaRPr>
                     </a:p>
                   </a:txBody>
-                  <a:tcPr/>
+                  <a:tcPr marL="68580" marR="68580" marT="0" marB="0"/>
                 </a:tc>
                 <a:tc>
                   <a:txBody>
                     <a:bodyPr/>
                     <a:lstStyle/>
                     <a:p>
-                      <a:pPr marL="0" marR="0" indent="0" algn="ctr" defTabSz="914400" rtl="0" eaLnBrk="1" fontAlgn="auto" latinLnBrk="0" hangingPunct="1">
+                      <a:pPr marL="0" marR="0" algn="ctr">
                         <a:lnSpc>
-                          <a:spcPct val="100000"/>
+                          <a:spcPct val="107000"/>
                         </a:lnSpc>
                         <a:spcBef>
                           <a:spcPts val="0"/>
@@ -7706,32 +8210,32 @@
                         <a:spcAft>
                           <a:spcPts val="0"/>
                         </a:spcAft>
-                        <a:buClrTx/>
-                        <a:buSzTx/>
-                        <a:buFontTx/>
-                        <a:buNone/>
-                        <a:tabLst/>
-                        <a:defRPr/>
                       </a:pPr>
                       <a:r>
-                        <a:rPr lang="en-US" dirty="0">
-                          <a:sym typeface="Webdings" panose="05030102010509060703" pitchFamily="18" charset="2"/>
+                        <a:rPr lang="en-US" sz="1200" dirty="0">
+                          <a:effectLst/>
+                          <a:sym typeface="Wingdings 2" panose="05020102010507070707" pitchFamily="18" charset="2"/>
                         </a:rPr>
-                        <a:t></a:t>
+                        <a:t></a:t>
                       </a:r>
-                      <a:endParaRPr lang="en-US" dirty="0"/>
+                      <a:endParaRPr lang="en-US" sz="1200" dirty="0">
+                        <a:effectLst/>
+                        <a:latin typeface="Calibri" panose="020F0502020204030204" pitchFamily="34" charset="0"/>
+                        <a:ea typeface="Calibri" panose="020F0502020204030204" pitchFamily="34" charset="0"/>
+                        <a:cs typeface="Times New Roman" panose="02020603050405020304" pitchFamily="18" charset="0"/>
+                      </a:endParaRPr>
                     </a:p>
                   </a:txBody>
-                  <a:tcPr/>
+                  <a:tcPr marL="68580" marR="68580" marT="0" marB="0"/>
                 </a:tc>
                 <a:tc>
                   <a:txBody>
                     <a:bodyPr/>
                     <a:lstStyle/>
                     <a:p>
-                      <a:pPr marL="0" marR="0" indent="0" algn="ctr" defTabSz="914400" rtl="0" eaLnBrk="1" fontAlgn="auto" latinLnBrk="0" hangingPunct="1">
+                      <a:pPr marL="0" marR="0" algn="ctr">
                         <a:lnSpc>
-                          <a:spcPct val="100000"/>
+                          <a:spcPct val="107000"/>
                         </a:lnSpc>
                         <a:spcBef>
                           <a:spcPts val="0"/>
@@ -7739,125 +8243,203 @@
                         <a:spcAft>
                           <a:spcPts val="0"/>
                         </a:spcAft>
-                        <a:buClrTx/>
-                        <a:buSzTx/>
-                        <a:buFontTx/>
-                        <a:buNone/>
-                        <a:tabLst/>
-                        <a:defRPr/>
                       </a:pPr>
                       <a:r>
-                        <a:rPr lang="en-US" sz="1800" b="1" dirty="0">
-                          <a:sym typeface="Webdings" panose="05030102010509060703" pitchFamily="18" charset="2"/>
+                        <a:rPr lang="en-US" sz="1200" dirty="0">
+                          <a:effectLst/>
+                          <a:sym typeface="Wingdings 2" panose="05020102010507070707" pitchFamily="18" charset="2"/>
                         </a:rPr>
-                        <a:t></a:t>
+                        <a:t></a:t>
                       </a:r>
-                      <a:endParaRPr lang="en-US" sz="1800" b="1" dirty="0"/>
+                      <a:endParaRPr lang="en-US" sz="1200" dirty="0">
+                        <a:effectLst/>
+                        <a:latin typeface="Calibri" panose="020F0502020204030204" pitchFamily="34" charset="0"/>
+                        <a:ea typeface="Calibri" panose="020F0502020204030204" pitchFamily="34" charset="0"/>
+                        <a:cs typeface="Times New Roman" panose="02020603050405020304" pitchFamily="18" charset="0"/>
+                      </a:endParaRPr>
                     </a:p>
                   </a:txBody>
-                  <a:tcPr/>
+                  <a:tcPr marL="68580" marR="68580" marT="0" marB="0"/>
                 </a:tc>
                 <a:tc>
                   <a:txBody>
                     <a:bodyPr/>
                     <a:lstStyle/>
                     <a:p>
-                      <a:pPr algn="ctr"/>
+                      <a:pPr marL="0" marR="0" algn="ctr">
+                        <a:lnSpc>
+                          <a:spcPct val="107000"/>
+                        </a:lnSpc>
+                        <a:spcBef>
+                          <a:spcPts val="0"/>
+                        </a:spcBef>
+                        <a:spcAft>
+                          <a:spcPts val="0"/>
+                        </a:spcAft>
+                      </a:pPr>
                       <a:r>
-                        <a:rPr lang="en-US" dirty="0">
-                          <a:sym typeface="Webdings" panose="05030102010509060703" pitchFamily="18" charset="2"/>
+                        <a:rPr lang="en-US" sz="1200">
+                          <a:effectLst/>
+                          <a:sym typeface="Wingdings 2" panose="05020102010507070707" pitchFamily="18" charset="2"/>
                         </a:rPr>
-                        <a:t></a:t>
+                        <a:t></a:t>
                       </a:r>
-                      <a:endParaRPr lang="en-US" dirty="0"/>
+                      <a:endParaRPr lang="en-US" sz="1200">
+                        <a:effectLst/>
+                        <a:latin typeface="Calibri" panose="020F0502020204030204" pitchFamily="34" charset="0"/>
+                        <a:ea typeface="Calibri" panose="020F0502020204030204" pitchFamily="34" charset="0"/>
+                        <a:cs typeface="Times New Roman" panose="02020603050405020304" pitchFamily="18" charset="0"/>
+                      </a:endParaRPr>
                     </a:p>
                   </a:txBody>
-                  <a:tcPr/>
+                  <a:tcPr marL="68580" marR="68580" marT="0" marB="0"/>
                 </a:tc>
                 <a:tc>
                   <a:txBody>
                     <a:bodyPr/>
                     <a:lstStyle/>
                     <a:p>
-                      <a:pPr algn="ctr"/>
+                      <a:pPr marL="0" marR="0" algn="ctr">
+                        <a:lnSpc>
+                          <a:spcPct val="107000"/>
+                        </a:lnSpc>
+                        <a:spcBef>
+                          <a:spcPts val="0"/>
+                        </a:spcBef>
+                        <a:spcAft>
+                          <a:spcPts val="0"/>
+                        </a:spcAft>
+                      </a:pPr>
                       <a:r>
-                        <a:rPr lang="en-US">
-                          <a:sym typeface="Webdings" panose="05030102010509060703" pitchFamily="18" charset="2"/>
+                        <a:rPr lang="en-US" sz="1200">
+                          <a:effectLst/>
+                          <a:sym typeface="Wingdings 2" panose="05020102010507070707" pitchFamily="18" charset="2"/>
                         </a:rPr>
-                        <a:t></a:t>
+                        <a:t></a:t>
                       </a:r>
-                      <a:endParaRPr lang="en-US" dirty="0"/>
+                      <a:endParaRPr lang="en-US" sz="1200">
+                        <a:effectLst/>
+                        <a:latin typeface="Calibri" panose="020F0502020204030204" pitchFamily="34" charset="0"/>
+                        <a:ea typeface="Calibri" panose="020F0502020204030204" pitchFamily="34" charset="0"/>
+                        <a:cs typeface="Times New Roman" panose="02020603050405020304" pitchFamily="18" charset="0"/>
+                      </a:endParaRPr>
                     </a:p>
                   </a:txBody>
-                  <a:tcPr/>
+                  <a:tcPr marL="68580" marR="68580" marT="0" marB="0"/>
                 </a:tc>
                 <a:tc>
                   <a:txBody>
                     <a:bodyPr/>
                     <a:lstStyle/>
                     <a:p>
-                      <a:pPr algn="ctr"/>
+                      <a:pPr marL="0" marR="0" algn="ctr">
+                        <a:lnSpc>
+                          <a:spcPct val="107000"/>
+                        </a:lnSpc>
+                        <a:spcBef>
+                          <a:spcPts val="0"/>
+                        </a:spcBef>
+                        <a:spcAft>
+                          <a:spcPts val="0"/>
+                        </a:spcAft>
+                      </a:pPr>
                       <a:r>
-                        <a:rPr lang="en-US" dirty="0">
-                          <a:sym typeface="Webdings" panose="05030102010509060703" pitchFamily="18" charset="2"/>
+                        <a:rPr lang="en-US" sz="1200">
+                          <a:effectLst/>
+                          <a:sym typeface="Wingdings 2" panose="05020102010507070707" pitchFamily="18" charset="2"/>
                         </a:rPr>
-                        <a:t></a:t>
+                        <a:t></a:t>
                       </a:r>
-                      <a:endParaRPr lang="en-US" dirty="0"/>
+                      <a:endParaRPr lang="en-US" sz="1200">
+                        <a:effectLst/>
+                        <a:latin typeface="Calibri" panose="020F0502020204030204" pitchFamily="34" charset="0"/>
+                        <a:ea typeface="Calibri" panose="020F0502020204030204" pitchFamily="34" charset="0"/>
+                        <a:cs typeface="Times New Roman" panose="02020603050405020304" pitchFamily="18" charset="0"/>
+                      </a:endParaRPr>
                     </a:p>
                   </a:txBody>
-                  <a:tcPr/>
+                  <a:tcPr marL="68580" marR="68580" marT="0" marB="0"/>
                 </a:tc>
                 <a:tc>
                   <a:txBody>
                     <a:bodyPr/>
                     <a:lstStyle/>
                     <a:p>
-                      <a:pPr algn="ctr"/>
+                      <a:pPr marL="0" marR="0" algn="ctr">
+                        <a:lnSpc>
+                          <a:spcPct val="107000"/>
+                        </a:lnSpc>
+                        <a:spcBef>
+                          <a:spcPts val="0"/>
+                        </a:spcBef>
+                        <a:spcAft>
+                          <a:spcPts val="0"/>
+                        </a:spcAft>
+                      </a:pPr>
                       <a:r>
-                        <a:rPr lang="en-US" sz="1800" b="1" dirty="0">
-                          <a:sym typeface="Webdings" panose="05030102010509060703" pitchFamily="18" charset="2"/>
+                        <a:rPr lang="en-US" sz="1200">
+                          <a:effectLst/>
+                          <a:sym typeface="Wingdings 2" panose="05020102010507070707" pitchFamily="18" charset="2"/>
                         </a:rPr>
-                        <a:t></a:t>
+                        <a:t></a:t>
                       </a:r>
-                      <a:endParaRPr lang="en-US" dirty="0"/>
+                      <a:endParaRPr lang="en-US" sz="1200">
+                        <a:effectLst/>
+                        <a:latin typeface="Calibri" panose="020F0502020204030204" pitchFamily="34" charset="0"/>
+                        <a:ea typeface="Calibri" panose="020F0502020204030204" pitchFamily="34" charset="0"/>
+                        <a:cs typeface="Times New Roman" panose="02020603050405020304" pitchFamily="18" charset="0"/>
+                      </a:endParaRPr>
                     </a:p>
                   </a:txBody>
-                  <a:tcPr/>
+                  <a:tcPr marL="68580" marR="68580" marT="0" marB="0"/>
                 </a:tc>
                 <a:extLst>
                   <a:ext uri="{0D108BD9-81ED-4DB2-BD59-A6C34878D82A}">
-                    <a16:rowId xmlns:a16="http://schemas.microsoft.com/office/drawing/2014/main" val="3884496451"/>
+                    <a16:rowId xmlns:a16="http://schemas.microsoft.com/office/drawing/2014/main" val="2745669737"/>
                   </a:ext>
                 </a:extLst>
               </a:tr>
-              <a:tr h="768464">
+              <a:tr h="428850">
                 <a:tc>
                   <a:txBody>
                     <a:bodyPr/>
                     <a:lstStyle/>
                     <a:p>
+                      <a:pPr marL="0" marR="0" algn="ctr">
+                        <a:lnSpc>
+                          <a:spcPct val="107000"/>
+                        </a:lnSpc>
+                        <a:spcBef>
+                          <a:spcPts val="0"/>
+                        </a:spcBef>
+                        <a:spcAft>
+                          <a:spcPts val="0"/>
+                        </a:spcAft>
+                      </a:pPr>
                       <a:r>
-                        <a:rPr lang="en-US" sz="1200" dirty="0"/>
-                        <a:t>Admission</a:t>
+                        <a:rPr lang="en-US" sz="1200">
+                          <a:effectLst/>
+                        </a:rPr>
+                        <a:t>Announcement</a:t>
                       </a:r>
-                      <a:r>
-                        <a:rPr lang="en-US" sz="1200" baseline="0" dirty="0"/>
-                        <a:t> Form / General Application Form</a:t>
-                      </a:r>
-                      <a:endParaRPr lang="en-US" sz="1200" dirty="0"/>
+                      <a:endParaRPr lang="en-US" sz="1200">
+                        <a:effectLst/>
+                        <a:latin typeface="Calibri" panose="020F0502020204030204" pitchFamily="34" charset="0"/>
+                        <a:ea typeface="Calibri" panose="020F0502020204030204" pitchFamily="34" charset="0"/>
+                        <a:cs typeface="Times New Roman" panose="02020603050405020304" pitchFamily="18" charset="0"/>
+                      </a:endParaRPr>
                     </a:p>
                   </a:txBody>
-                  <a:tcPr/>
+                  <a:tcPr marL="68580" marR="68580" marT="0" marB="0"/>
                 </a:tc>
                 <a:tc>
                   <a:txBody>
                     <a:bodyPr/>
                     <a:lstStyle/>
                     <a:p>
-                      <a:pPr marL="0" marR="0" indent="0" algn="ctr" defTabSz="914400" rtl="0" eaLnBrk="1" fontAlgn="auto" latinLnBrk="0" hangingPunct="1">
+                      <a:pPr marL="0" marR="0" algn="ctr">
                         <a:lnSpc>
-                          <a:spcPct val="100000"/>
+                          <a:spcPct val="107000"/>
                         </a:lnSpc>
                         <a:spcBef>
                           <a:spcPts val="0"/>
@@ -7865,32 +8447,32 @@
                         <a:spcAft>
                           <a:spcPts val="0"/>
                         </a:spcAft>
-                        <a:buClrTx/>
-                        <a:buSzTx/>
-                        <a:buFontTx/>
-                        <a:buNone/>
-                        <a:tabLst/>
-                        <a:defRPr/>
                       </a:pPr>
                       <a:r>
-                        <a:rPr lang="en-US" dirty="0">
-                          <a:sym typeface="Webdings" panose="05030102010509060703" pitchFamily="18" charset="2"/>
+                        <a:rPr lang="en-US" sz="1200" dirty="0">
+                          <a:effectLst/>
+                          <a:sym typeface="Wingdings 2" panose="05020102010507070707" pitchFamily="18" charset="2"/>
                         </a:rPr>
-                        <a:t></a:t>
+                        <a:t></a:t>
                       </a:r>
-                      <a:endParaRPr lang="en-US" dirty="0"/>
+                      <a:endParaRPr lang="en-US" sz="1200" dirty="0">
+                        <a:effectLst/>
+                        <a:latin typeface="Calibri" panose="020F0502020204030204" pitchFamily="34" charset="0"/>
+                        <a:ea typeface="Calibri" panose="020F0502020204030204" pitchFamily="34" charset="0"/>
+                        <a:cs typeface="Times New Roman" panose="02020603050405020304" pitchFamily="18" charset="0"/>
+                      </a:endParaRPr>
                     </a:p>
                   </a:txBody>
-                  <a:tcPr/>
+                  <a:tcPr marL="68580" marR="68580" marT="0" marB="0"/>
                 </a:tc>
                 <a:tc>
                   <a:txBody>
                     <a:bodyPr/>
                     <a:lstStyle/>
                     <a:p>
-                      <a:pPr marL="0" marR="0" indent="0" algn="ctr" defTabSz="914400" rtl="0" eaLnBrk="1" fontAlgn="auto" latinLnBrk="0" hangingPunct="1">
+                      <a:pPr marL="0" marR="0" algn="ctr">
                         <a:lnSpc>
-                          <a:spcPct val="100000"/>
+                          <a:spcPct val="107000"/>
                         </a:lnSpc>
                         <a:spcBef>
                           <a:spcPts val="0"/>
@@ -7898,125 +8480,203 @@
                         <a:spcAft>
                           <a:spcPts val="0"/>
                         </a:spcAft>
-                        <a:buClrTx/>
-                        <a:buSzTx/>
-                        <a:buFontTx/>
-                        <a:buNone/>
-                        <a:tabLst/>
-                        <a:defRPr/>
                       </a:pPr>
                       <a:r>
-                        <a:rPr lang="en-US" sz="1800" b="1" dirty="0">
-                          <a:sym typeface="Webdings" panose="05030102010509060703" pitchFamily="18" charset="2"/>
+                        <a:rPr lang="en-US" sz="1200">
+                          <a:effectLst/>
+                          <a:sym typeface="Wingdings 2" panose="05020102010507070707" pitchFamily="18" charset="2"/>
                         </a:rPr>
-                        <a:t></a:t>
+                        <a:t></a:t>
                       </a:r>
-                      <a:endParaRPr lang="en-US" sz="1800" b="1" dirty="0"/>
+                      <a:endParaRPr lang="en-US" sz="1200">
+                        <a:effectLst/>
+                        <a:latin typeface="Calibri" panose="020F0502020204030204" pitchFamily="34" charset="0"/>
+                        <a:ea typeface="Calibri" panose="020F0502020204030204" pitchFamily="34" charset="0"/>
+                        <a:cs typeface="Times New Roman" panose="02020603050405020304" pitchFamily="18" charset="0"/>
+                      </a:endParaRPr>
                     </a:p>
                   </a:txBody>
-                  <a:tcPr/>
+                  <a:tcPr marL="68580" marR="68580" marT="0" marB="0"/>
                 </a:tc>
                 <a:tc>
                   <a:txBody>
                     <a:bodyPr/>
                     <a:lstStyle/>
                     <a:p>
-                      <a:pPr algn="ctr"/>
+                      <a:pPr marL="0" marR="0" algn="ctr">
+                        <a:lnSpc>
+                          <a:spcPct val="107000"/>
+                        </a:lnSpc>
+                        <a:spcBef>
+                          <a:spcPts val="0"/>
+                        </a:spcBef>
+                        <a:spcAft>
+                          <a:spcPts val="0"/>
+                        </a:spcAft>
+                      </a:pPr>
                       <a:r>
-                        <a:rPr lang="en-US">
-                          <a:sym typeface="Webdings" panose="05030102010509060703" pitchFamily="18" charset="2"/>
+                        <a:rPr lang="en-US" sz="1200">
+                          <a:effectLst/>
+                          <a:sym typeface="Wingdings 2" panose="05020102010507070707" pitchFamily="18" charset="2"/>
                         </a:rPr>
-                        <a:t></a:t>
+                        <a:t></a:t>
                       </a:r>
-                      <a:endParaRPr lang="en-US" dirty="0"/>
+                      <a:endParaRPr lang="en-US" sz="1200">
+                        <a:effectLst/>
+                        <a:latin typeface="Calibri" panose="020F0502020204030204" pitchFamily="34" charset="0"/>
+                        <a:ea typeface="Calibri" panose="020F0502020204030204" pitchFamily="34" charset="0"/>
+                        <a:cs typeface="Times New Roman" panose="02020603050405020304" pitchFamily="18" charset="0"/>
+                      </a:endParaRPr>
                     </a:p>
                   </a:txBody>
-                  <a:tcPr/>
+                  <a:tcPr marL="68580" marR="68580" marT="0" marB="0"/>
                 </a:tc>
                 <a:tc>
                   <a:txBody>
                     <a:bodyPr/>
                     <a:lstStyle/>
                     <a:p>
-                      <a:pPr algn="ctr"/>
+                      <a:pPr marL="0" marR="0" algn="ctr">
+                        <a:lnSpc>
+                          <a:spcPct val="107000"/>
+                        </a:lnSpc>
+                        <a:spcBef>
+                          <a:spcPts val="0"/>
+                        </a:spcBef>
+                        <a:spcAft>
+                          <a:spcPts val="0"/>
+                        </a:spcAft>
+                      </a:pPr>
                       <a:r>
-                        <a:rPr lang="en-US">
-                          <a:sym typeface="Webdings" panose="05030102010509060703" pitchFamily="18" charset="2"/>
+                        <a:rPr lang="en-US" sz="1200">
+                          <a:effectLst/>
+                          <a:sym typeface="Wingdings 2" panose="05020102010507070707" pitchFamily="18" charset="2"/>
                         </a:rPr>
-                        <a:t></a:t>
+                        <a:t></a:t>
                       </a:r>
-                      <a:endParaRPr lang="en-US" dirty="0"/>
+                      <a:endParaRPr lang="en-US" sz="1200">
+                        <a:effectLst/>
+                        <a:latin typeface="Calibri" panose="020F0502020204030204" pitchFamily="34" charset="0"/>
+                        <a:ea typeface="Calibri" panose="020F0502020204030204" pitchFamily="34" charset="0"/>
+                        <a:cs typeface="Times New Roman" panose="02020603050405020304" pitchFamily="18" charset="0"/>
+                      </a:endParaRPr>
                     </a:p>
                   </a:txBody>
-                  <a:tcPr/>
+                  <a:tcPr marL="68580" marR="68580" marT="0" marB="0"/>
                 </a:tc>
                 <a:tc>
                   <a:txBody>
                     <a:bodyPr/>
                     <a:lstStyle/>
                     <a:p>
-                      <a:pPr algn="ctr"/>
+                      <a:pPr marL="0" marR="0" algn="ctr">
+                        <a:lnSpc>
+                          <a:spcPct val="107000"/>
+                        </a:lnSpc>
+                        <a:spcBef>
+                          <a:spcPts val="0"/>
+                        </a:spcBef>
+                        <a:spcAft>
+                          <a:spcPts val="0"/>
+                        </a:spcAft>
+                      </a:pPr>
                       <a:r>
-                        <a:rPr lang="en-US" dirty="0">
-                          <a:sym typeface="Webdings" panose="05030102010509060703" pitchFamily="18" charset="2"/>
+                        <a:rPr lang="en-US" sz="1200">
+                          <a:effectLst/>
+                          <a:sym typeface="Wingdings 2" panose="05020102010507070707" pitchFamily="18" charset="2"/>
                         </a:rPr>
-                        <a:t></a:t>
+                        <a:t></a:t>
                       </a:r>
-                      <a:endParaRPr lang="en-US" dirty="0"/>
+                      <a:endParaRPr lang="en-US" sz="1200">
+                        <a:effectLst/>
+                        <a:latin typeface="Calibri" panose="020F0502020204030204" pitchFamily="34" charset="0"/>
+                        <a:ea typeface="Calibri" panose="020F0502020204030204" pitchFamily="34" charset="0"/>
+                        <a:cs typeface="Times New Roman" panose="02020603050405020304" pitchFamily="18" charset="0"/>
+                      </a:endParaRPr>
                     </a:p>
                   </a:txBody>
-                  <a:tcPr/>
+                  <a:tcPr marL="68580" marR="68580" marT="0" marB="0"/>
                 </a:tc>
                 <a:tc>
                   <a:txBody>
                     <a:bodyPr/>
                     <a:lstStyle/>
                     <a:p>
-                      <a:pPr algn="ctr"/>
+                      <a:pPr marL="0" marR="0" algn="ctr">
+                        <a:lnSpc>
+                          <a:spcPct val="107000"/>
+                        </a:lnSpc>
+                        <a:spcBef>
+                          <a:spcPts val="0"/>
+                        </a:spcBef>
+                        <a:spcAft>
+                          <a:spcPts val="0"/>
+                        </a:spcAft>
+                      </a:pPr>
                       <a:r>
-                        <a:rPr lang="en-US" sz="1800" b="1" dirty="0">
-                          <a:sym typeface="Webdings" panose="05030102010509060703" pitchFamily="18" charset="2"/>
+                        <a:rPr lang="en-US" sz="1200">
+                          <a:effectLst/>
+                          <a:sym typeface="Wingdings 2" panose="05020102010507070707" pitchFamily="18" charset="2"/>
                         </a:rPr>
-                        <a:t></a:t>
+                        <a:t></a:t>
                       </a:r>
-                      <a:endParaRPr lang="en-US" dirty="0"/>
+                      <a:endParaRPr lang="en-US" sz="1200">
+                        <a:effectLst/>
+                        <a:latin typeface="Calibri" panose="020F0502020204030204" pitchFamily="34" charset="0"/>
+                        <a:ea typeface="Calibri" panose="020F0502020204030204" pitchFamily="34" charset="0"/>
+                        <a:cs typeface="Times New Roman" panose="02020603050405020304" pitchFamily="18" charset="0"/>
+                      </a:endParaRPr>
                     </a:p>
                   </a:txBody>
-                  <a:tcPr/>
+                  <a:tcPr marL="68580" marR="68580" marT="0" marB="0"/>
                 </a:tc>
                 <a:extLst>
                   <a:ext uri="{0D108BD9-81ED-4DB2-BD59-A6C34878D82A}">
-                    <a16:rowId xmlns:a16="http://schemas.microsoft.com/office/drawing/2014/main" val="3993446614"/>
+                    <a16:rowId xmlns:a16="http://schemas.microsoft.com/office/drawing/2014/main" val="2901974245"/>
                   </a:ext>
                 </a:extLst>
               </a:tr>
-              <a:tr h="341539">
+              <a:tr h="399575">
                 <a:tc>
                   <a:txBody>
                     <a:bodyPr/>
                     <a:lstStyle/>
                     <a:p>
+                      <a:pPr marL="0" marR="0" algn="ctr">
+                        <a:lnSpc>
+                          <a:spcPct val="107000"/>
+                        </a:lnSpc>
+                        <a:spcBef>
+                          <a:spcPts val="0"/>
+                        </a:spcBef>
+                        <a:spcAft>
+                          <a:spcPts val="0"/>
+                        </a:spcAft>
+                      </a:pPr>
                       <a:r>
-                        <a:rPr lang="en-US" sz="1200" dirty="0"/>
-                        <a:t>Complaint box</a:t>
+                        <a:rPr lang="en-US" sz="1200">
+                          <a:effectLst/>
+                        </a:rPr>
+                        <a:t>Admin panel</a:t>
                       </a:r>
-                      <a:r>
-                        <a:rPr lang="en-US" sz="1200" baseline="0" dirty="0"/>
-                        <a:t> </a:t>
-                      </a:r>
-                      <a:endParaRPr lang="en-US" sz="1200" dirty="0"/>
+                      <a:endParaRPr lang="en-US" sz="1200">
+                        <a:effectLst/>
+                        <a:latin typeface="Calibri" panose="020F0502020204030204" pitchFamily="34" charset="0"/>
+                        <a:ea typeface="Calibri" panose="020F0502020204030204" pitchFamily="34" charset="0"/>
+                        <a:cs typeface="Times New Roman" panose="02020603050405020304" pitchFamily="18" charset="0"/>
+                      </a:endParaRPr>
                     </a:p>
                   </a:txBody>
-                  <a:tcPr/>
+                  <a:tcPr marL="68580" marR="68580" marT="0" marB="0"/>
                 </a:tc>
                 <a:tc>
                   <a:txBody>
                     <a:bodyPr/>
                     <a:lstStyle/>
                     <a:p>
-                      <a:pPr marL="0" marR="0" indent="0" algn="ctr" defTabSz="914400" rtl="0" eaLnBrk="1" fontAlgn="auto" latinLnBrk="0" hangingPunct="1">
+                      <a:pPr marL="0" marR="0" algn="ctr">
                         <a:lnSpc>
-                          <a:spcPct val="100000"/>
+                          <a:spcPct val="107000"/>
                         </a:lnSpc>
                         <a:spcBef>
                           <a:spcPts val="0"/>
@@ -8024,32 +8684,32 @@
                         <a:spcAft>
                           <a:spcPts val="0"/>
                         </a:spcAft>
-                        <a:buClrTx/>
-                        <a:buSzTx/>
-                        <a:buFontTx/>
-                        <a:buNone/>
-                        <a:tabLst/>
-                        <a:defRPr/>
                       </a:pPr>
                       <a:r>
-                        <a:rPr lang="en-US" dirty="0">
-                          <a:sym typeface="Webdings" panose="05030102010509060703" pitchFamily="18" charset="2"/>
+                        <a:rPr lang="en-US" sz="1200" dirty="0">
+                          <a:effectLst/>
+                          <a:sym typeface="Wingdings 2" panose="05020102010507070707" pitchFamily="18" charset="2"/>
                         </a:rPr>
-                        <a:t></a:t>
+                        <a:t></a:t>
                       </a:r>
-                      <a:endParaRPr lang="en-US" dirty="0"/>
+                      <a:endParaRPr lang="en-US" sz="1200" dirty="0">
+                        <a:effectLst/>
+                        <a:latin typeface="Calibri" panose="020F0502020204030204" pitchFamily="34" charset="0"/>
+                        <a:ea typeface="Calibri" panose="020F0502020204030204" pitchFamily="34" charset="0"/>
+                        <a:cs typeface="Times New Roman" panose="02020603050405020304" pitchFamily="18" charset="0"/>
+                      </a:endParaRPr>
                     </a:p>
                   </a:txBody>
-                  <a:tcPr/>
+                  <a:tcPr marL="68580" marR="68580" marT="0" marB="0"/>
                 </a:tc>
                 <a:tc>
                   <a:txBody>
                     <a:bodyPr/>
                     <a:lstStyle/>
                     <a:p>
-                      <a:pPr marL="0" marR="0" indent="0" algn="ctr" defTabSz="914400" rtl="0" eaLnBrk="1" fontAlgn="auto" latinLnBrk="0" hangingPunct="1">
+                      <a:pPr marL="0" marR="0" algn="ctr">
                         <a:lnSpc>
-                          <a:spcPct val="100000"/>
+                          <a:spcPct val="107000"/>
                         </a:lnSpc>
                         <a:spcBef>
                           <a:spcPts val="0"/>
@@ -8057,125 +8717,203 @@
                         <a:spcAft>
                           <a:spcPts val="0"/>
                         </a:spcAft>
-                        <a:buClrTx/>
-                        <a:buSzTx/>
-                        <a:buFontTx/>
-                        <a:buNone/>
-                        <a:tabLst/>
-                        <a:defRPr/>
                       </a:pPr>
                       <a:r>
-                        <a:rPr lang="en-US" dirty="0">
-                          <a:sym typeface="Webdings" panose="05030102010509060703" pitchFamily="18" charset="2"/>
+                        <a:rPr lang="en-US" sz="1200" dirty="0">
+                          <a:effectLst/>
+                          <a:sym typeface="Wingdings 2" panose="05020102010507070707" pitchFamily="18" charset="2"/>
                         </a:rPr>
-                        <a:t></a:t>
+                        <a:t></a:t>
                       </a:r>
-                      <a:endParaRPr lang="en-US" dirty="0"/>
+                      <a:endParaRPr lang="en-US" sz="1200" dirty="0">
+                        <a:effectLst/>
+                        <a:latin typeface="Calibri" panose="020F0502020204030204" pitchFamily="34" charset="0"/>
+                        <a:ea typeface="Calibri" panose="020F0502020204030204" pitchFamily="34" charset="0"/>
+                        <a:cs typeface="Times New Roman" panose="02020603050405020304" pitchFamily="18" charset="0"/>
+                      </a:endParaRPr>
                     </a:p>
                   </a:txBody>
-                  <a:tcPr/>
+                  <a:tcPr marL="68580" marR="68580" marT="0" marB="0"/>
                 </a:tc>
                 <a:tc>
                   <a:txBody>
                     <a:bodyPr/>
                     <a:lstStyle/>
                     <a:p>
-                      <a:pPr algn="ctr"/>
+                      <a:pPr marL="0" marR="0" algn="ctr">
+                        <a:lnSpc>
+                          <a:spcPct val="107000"/>
+                        </a:lnSpc>
+                        <a:spcBef>
+                          <a:spcPts val="0"/>
+                        </a:spcBef>
+                        <a:spcAft>
+                          <a:spcPts val="0"/>
+                        </a:spcAft>
+                      </a:pPr>
                       <a:r>
-                        <a:rPr lang="en-US" dirty="0">
-                          <a:sym typeface="Webdings" panose="05030102010509060703" pitchFamily="18" charset="2"/>
+                        <a:rPr lang="en-US" sz="1200" dirty="0">
+                          <a:effectLst/>
+                          <a:sym typeface="Wingdings 2" panose="05020102010507070707" pitchFamily="18" charset="2"/>
                         </a:rPr>
-                        <a:t></a:t>
+                        <a:t></a:t>
                       </a:r>
-                      <a:endParaRPr lang="en-US" dirty="0"/>
+                      <a:endParaRPr lang="en-US" sz="1200" dirty="0">
+                        <a:effectLst/>
+                        <a:latin typeface="Calibri" panose="020F0502020204030204" pitchFamily="34" charset="0"/>
+                        <a:ea typeface="Calibri" panose="020F0502020204030204" pitchFamily="34" charset="0"/>
+                        <a:cs typeface="Times New Roman" panose="02020603050405020304" pitchFamily="18" charset="0"/>
+                      </a:endParaRPr>
                     </a:p>
                   </a:txBody>
-                  <a:tcPr/>
+                  <a:tcPr marL="68580" marR="68580" marT="0" marB="0"/>
                 </a:tc>
                 <a:tc>
                   <a:txBody>
                     <a:bodyPr/>
                     <a:lstStyle/>
                     <a:p>
-                      <a:pPr algn="ctr"/>
+                      <a:pPr marL="0" marR="0" algn="ctr">
+                        <a:lnSpc>
+                          <a:spcPct val="107000"/>
+                        </a:lnSpc>
+                        <a:spcBef>
+                          <a:spcPts val="0"/>
+                        </a:spcBef>
+                        <a:spcAft>
+                          <a:spcPts val="0"/>
+                        </a:spcAft>
+                      </a:pPr>
                       <a:r>
-                        <a:rPr lang="en-US">
-                          <a:sym typeface="Webdings" panose="05030102010509060703" pitchFamily="18" charset="2"/>
+                        <a:rPr lang="en-US" sz="1200">
+                          <a:effectLst/>
+                          <a:sym typeface="Wingdings 2" panose="05020102010507070707" pitchFamily="18" charset="2"/>
                         </a:rPr>
-                        <a:t></a:t>
+                        <a:t></a:t>
                       </a:r>
-                      <a:endParaRPr lang="en-US" dirty="0"/>
+                      <a:endParaRPr lang="en-US" sz="1200">
+                        <a:effectLst/>
+                        <a:latin typeface="Calibri" panose="020F0502020204030204" pitchFamily="34" charset="0"/>
+                        <a:ea typeface="Calibri" panose="020F0502020204030204" pitchFamily="34" charset="0"/>
+                        <a:cs typeface="Times New Roman" panose="02020603050405020304" pitchFamily="18" charset="0"/>
+                      </a:endParaRPr>
                     </a:p>
                   </a:txBody>
-                  <a:tcPr/>
+                  <a:tcPr marL="68580" marR="68580" marT="0" marB="0"/>
                 </a:tc>
                 <a:tc>
                   <a:txBody>
                     <a:bodyPr/>
                     <a:lstStyle/>
                     <a:p>
-                      <a:pPr algn="ctr"/>
+                      <a:pPr marL="0" marR="0" algn="ctr">
+                        <a:lnSpc>
+                          <a:spcPct val="107000"/>
+                        </a:lnSpc>
+                        <a:spcBef>
+                          <a:spcPts val="0"/>
+                        </a:spcBef>
+                        <a:spcAft>
+                          <a:spcPts val="0"/>
+                        </a:spcAft>
+                      </a:pPr>
                       <a:r>
-                        <a:rPr lang="en-US" dirty="0">
-                          <a:sym typeface="Webdings" panose="05030102010509060703" pitchFamily="18" charset="2"/>
+                        <a:rPr lang="en-US" sz="1200">
+                          <a:effectLst/>
+                          <a:sym typeface="Wingdings 2" panose="05020102010507070707" pitchFamily="18" charset="2"/>
                         </a:rPr>
-                        <a:t></a:t>
+                        <a:t></a:t>
                       </a:r>
-                      <a:endParaRPr lang="en-US" dirty="0"/>
+                      <a:endParaRPr lang="en-US" sz="1200">
+                        <a:effectLst/>
+                        <a:latin typeface="Calibri" panose="020F0502020204030204" pitchFamily="34" charset="0"/>
+                        <a:ea typeface="Calibri" panose="020F0502020204030204" pitchFamily="34" charset="0"/>
+                        <a:cs typeface="Times New Roman" panose="02020603050405020304" pitchFamily="18" charset="0"/>
+                      </a:endParaRPr>
                     </a:p>
                   </a:txBody>
-                  <a:tcPr/>
+                  <a:tcPr marL="68580" marR="68580" marT="0" marB="0"/>
                 </a:tc>
                 <a:tc>
                   <a:txBody>
                     <a:bodyPr/>
                     <a:lstStyle/>
                     <a:p>
-                      <a:pPr algn="ctr"/>
+                      <a:pPr marL="0" marR="0" algn="ctr">
+                        <a:lnSpc>
+                          <a:spcPct val="107000"/>
+                        </a:lnSpc>
+                        <a:spcBef>
+                          <a:spcPts val="0"/>
+                        </a:spcBef>
+                        <a:spcAft>
+                          <a:spcPts val="0"/>
+                        </a:spcAft>
+                      </a:pPr>
                       <a:r>
-                        <a:rPr lang="en-US" sz="1800" b="1" dirty="0">
-                          <a:sym typeface="Webdings" panose="05030102010509060703" pitchFamily="18" charset="2"/>
+                        <a:rPr lang="en-US" sz="1200">
+                          <a:effectLst/>
+                          <a:sym typeface="Wingdings 2" panose="05020102010507070707" pitchFamily="18" charset="2"/>
                         </a:rPr>
-                        <a:t></a:t>
+                        <a:t></a:t>
                       </a:r>
-                      <a:endParaRPr lang="en-US" dirty="0"/>
+                      <a:endParaRPr lang="en-US" sz="1200">
+                        <a:effectLst/>
+                        <a:latin typeface="Calibri" panose="020F0502020204030204" pitchFamily="34" charset="0"/>
+                        <a:ea typeface="Calibri" panose="020F0502020204030204" pitchFamily="34" charset="0"/>
+                        <a:cs typeface="Times New Roman" panose="02020603050405020304" pitchFamily="18" charset="0"/>
+                      </a:endParaRPr>
                     </a:p>
                   </a:txBody>
-                  <a:tcPr/>
+                  <a:tcPr marL="68580" marR="68580" marT="0" marB="0"/>
                 </a:tc>
                 <a:extLst>
                   <a:ext uri="{0D108BD9-81ED-4DB2-BD59-A6C34878D82A}">
-                    <a16:rowId xmlns:a16="http://schemas.microsoft.com/office/drawing/2014/main" val="4262376352"/>
+                    <a16:rowId xmlns:a16="http://schemas.microsoft.com/office/drawing/2014/main" val="596727093"/>
                   </a:ext>
                 </a:extLst>
               </a:tr>
-              <a:tr h="597694">
+              <a:tr h="678936">
                 <a:tc>
                   <a:txBody>
                     <a:bodyPr/>
                     <a:lstStyle/>
                     <a:p>
+                      <a:pPr marL="0" marR="0" algn="ctr">
+                        <a:lnSpc>
+                          <a:spcPct val="107000"/>
+                        </a:lnSpc>
+                        <a:spcBef>
+                          <a:spcPts val="0"/>
+                        </a:spcBef>
+                        <a:spcAft>
+                          <a:spcPts val="0"/>
+                        </a:spcAft>
+                      </a:pPr>
                       <a:r>
-                        <a:rPr lang="en-US" sz="1200" dirty="0"/>
-                        <a:t>Timetable</a:t>
+                        <a:rPr lang="en-US" sz="1200">
+                          <a:effectLst/>
+                        </a:rPr>
+                        <a:t>Info of Department Faculty</a:t>
                       </a:r>
-                      <a:r>
-                        <a:rPr lang="en-US" sz="1200" baseline="0" dirty="0"/>
-                        <a:t> of every semester section wise </a:t>
-                      </a:r>
-                      <a:endParaRPr lang="en-US" sz="1200" dirty="0"/>
+                      <a:endParaRPr lang="en-US" sz="1200">
+                        <a:effectLst/>
+                        <a:latin typeface="Calibri" panose="020F0502020204030204" pitchFamily="34" charset="0"/>
+                        <a:ea typeface="Calibri" panose="020F0502020204030204" pitchFamily="34" charset="0"/>
+                        <a:cs typeface="Times New Roman" panose="02020603050405020304" pitchFamily="18" charset="0"/>
+                      </a:endParaRPr>
                     </a:p>
                   </a:txBody>
-                  <a:tcPr/>
+                  <a:tcPr marL="68580" marR="68580" marT="0" marB="0"/>
                 </a:tc>
                 <a:tc>
                   <a:txBody>
                     <a:bodyPr/>
                     <a:lstStyle/>
                     <a:p>
-                      <a:pPr marL="0" marR="0" indent="0" algn="ctr" defTabSz="914400" rtl="0" eaLnBrk="1" fontAlgn="auto" latinLnBrk="0" hangingPunct="1">
+                      <a:pPr marL="0" marR="0" algn="ctr">
                         <a:lnSpc>
-                          <a:spcPct val="100000"/>
+                          <a:spcPct val="107000"/>
                         </a:lnSpc>
                         <a:spcBef>
                           <a:spcPts val="0"/>
@@ -8183,32 +8921,32 @@
                         <a:spcAft>
                           <a:spcPts val="0"/>
                         </a:spcAft>
-                        <a:buClrTx/>
-                        <a:buSzTx/>
-                        <a:buFontTx/>
-                        <a:buNone/>
-                        <a:tabLst/>
-                        <a:defRPr/>
                       </a:pPr>
                       <a:r>
-                        <a:rPr lang="en-US" dirty="0">
-                          <a:sym typeface="Webdings" panose="05030102010509060703" pitchFamily="18" charset="2"/>
+                        <a:rPr lang="en-US" sz="1200">
+                          <a:effectLst/>
+                          <a:sym typeface="Wingdings 2" panose="05020102010507070707" pitchFamily="18" charset="2"/>
                         </a:rPr>
-                        <a:t></a:t>
+                        <a:t></a:t>
                       </a:r>
-                      <a:endParaRPr lang="en-US" dirty="0"/>
+                      <a:endParaRPr lang="en-US" sz="1200">
+                        <a:effectLst/>
+                        <a:latin typeface="Calibri" panose="020F0502020204030204" pitchFamily="34" charset="0"/>
+                        <a:ea typeface="Calibri" panose="020F0502020204030204" pitchFamily="34" charset="0"/>
+                        <a:cs typeface="Times New Roman" panose="02020603050405020304" pitchFamily="18" charset="0"/>
+                      </a:endParaRPr>
                     </a:p>
                   </a:txBody>
-                  <a:tcPr/>
+                  <a:tcPr marL="68580" marR="68580" marT="0" marB="0"/>
                 </a:tc>
                 <a:tc>
                   <a:txBody>
                     <a:bodyPr/>
                     <a:lstStyle/>
                     <a:p>
-                      <a:pPr marL="0" marR="0" indent="0" algn="ctr" defTabSz="914400" rtl="0" eaLnBrk="1" fontAlgn="auto" latinLnBrk="0" hangingPunct="1">
+                      <a:pPr marL="0" marR="0" algn="ctr">
                         <a:lnSpc>
-                          <a:spcPct val="100000"/>
+                          <a:spcPct val="107000"/>
                         </a:lnSpc>
                         <a:spcBef>
                           <a:spcPts val="0"/>
@@ -8216,120 +8954,203 @@
                         <a:spcAft>
                           <a:spcPts val="0"/>
                         </a:spcAft>
-                        <a:buClrTx/>
-                        <a:buSzTx/>
-                        <a:buFontTx/>
-                        <a:buNone/>
-                        <a:tabLst/>
-                        <a:defRPr/>
                       </a:pPr>
                       <a:r>
-                        <a:rPr lang="en-US" dirty="0">
-                          <a:sym typeface="Webdings" panose="05030102010509060703" pitchFamily="18" charset="2"/>
+                        <a:rPr lang="en-US" sz="1200">
+                          <a:effectLst/>
+                          <a:sym typeface="Wingdings 2" panose="05020102010507070707" pitchFamily="18" charset="2"/>
                         </a:rPr>
-                        <a:t></a:t>
+                        <a:t></a:t>
                       </a:r>
-                      <a:endParaRPr lang="en-US" dirty="0"/>
+                      <a:endParaRPr lang="en-US" sz="1200">
+                        <a:effectLst/>
+                        <a:latin typeface="Calibri" panose="020F0502020204030204" pitchFamily="34" charset="0"/>
+                        <a:ea typeface="Calibri" panose="020F0502020204030204" pitchFamily="34" charset="0"/>
+                        <a:cs typeface="Times New Roman" panose="02020603050405020304" pitchFamily="18" charset="0"/>
+                      </a:endParaRPr>
                     </a:p>
                   </a:txBody>
-                  <a:tcPr/>
+                  <a:tcPr marL="68580" marR="68580" marT="0" marB="0"/>
                 </a:tc>
                 <a:tc>
                   <a:txBody>
                     <a:bodyPr/>
                     <a:lstStyle/>
                     <a:p>
-                      <a:pPr algn="ctr"/>
+                      <a:pPr marL="0" marR="0" algn="ctr">
+                        <a:lnSpc>
+                          <a:spcPct val="107000"/>
+                        </a:lnSpc>
+                        <a:spcBef>
+                          <a:spcPts val="0"/>
+                        </a:spcBef>
+                        <a:spcAft>
+                          <a:spcPts val="0"/>
+                        </a:spcAft>
+                      </a:pPr>
                       <a:r>
-                        <a:rPr lang="en-US">
-                          <a:sym typeface="Webdings" panose="05030102010509060703" pitchFamily="18" charset="2"/>
+                        <a:rPr lang="en-US" sz="1200" dirty="0">
+                          <a:effectLst/>
+                          <a:sym typeface="Wingdings 2" panose="05020102010507070707" pitchFamily="18" charset="2"/>
                         </a:rPr>
-                        <a:t></a:t>
+                        <a:t></a:t>
                       </a:r>
-                      <a:endParaRPr lang="en-US" dirty="0"/>
+                      <a:endParaRPr lang="en-US" sz="1200" dirty="0">
+                        <a:effectLst/>
+                        <a:latin typeface="Calibri" panose="020F0502020204030204" pitchFamily="34" charset="0"/>
+                        <a:ea typeface="Calibri" panose="020F0502020204030204" pitchFamily="34" charset="0"/>
+                        <a:cs typeface="Times New Roman" panose="02020603050405020304" pitchFamily="18" charset="0"/>
+                      </a:endParaRPr>
                     </a:p>
                   </a:txBody>
-                  <a:tcPr/>
+                  <a:tcPr marL="68580" marR="68580" marT="0" marB="0"/>
                 </a:tc>
                 <a:tc>
                   <a:txBody>
                     <a:bodyPr/>
                     <a:lstStyle/>
                     <a:p>
-                      <a:pPr algn="ctr"/>
+                      <a:pPr marL="0" marR="0" algn="ctr">
+                        <a:lnSpc>
+                          <a:spcPct val="107000"/>
+                        </a:lnSpc>
+                        <a:spcBef>
+                          <a:spcPts val="0"/>
+                        </a:spcBef>
+                        <a:spcAft>
+                          <a:spcPts val="0"/>
+                        </a:spcAft>
+                      </a:pPr>
                       <a:r>
-                        <a:rPr lang="en-US">
-                          <a:sym typeface="Webdings" panose="05030102010509060703" pitchFamily="18" charset="2"/>
+                        <a:rPr lang="en-US" sz="1200" dirty="0">
+                          <a:effectLst/>
+                          <a:sym typeface="Wingdings 2" panose="05020102010507070707" pitchFamily="18" charset="2"/>
                         </a:rPr>
-                        <a:t></a:t>
+                        <a:t></a:t>
                       </a:r>
-                      <a:endParaRPr lang="en-US" dirty="0"/>
+                      <a:endParaRPr lang="en-US" sz="1200" dirty="0">
+                        <a:effectLst/>
+                        <a:latin typeface="Calibri" panose="020F0502020204030204" pitchFamily="34" charset="0"/>
+                        <a:ea typeface="Calibri" panose="020F0502020204030204" pitchFamily="34" charset="0"/>
+                        <a:cs typeface="Times New Roman" panose="02020603050405020304" pitchFamily="18" charset="0"/>
+                      </a:endParaRPr>
                     </a:p>
                   </a:txBody>
-                  <a:tcPr/>
+                  <a:tcPr marL="68580" marR="68580" marT="0" marB="0"/>
                 </a:tc>
                 <a:tc>
                   <a:txBody>
                     <a:bodyPr/>
                     <a:lstStyle/>
                     <a:p>
-                      <a:pPr algn="ctr"/>
+                      <a:pPr marL="0" marR="0" algn="ctr">
+                        <a:lnSpc>
+                          <a:spcPct val="107000"/>
+                        </a:lnSpc>
+                        <a:spcBef>
+                          <a:spcPts val="0"/>
+                        </a:spcBef>
+                        <a:spcAft>
+                          <a:spcPts val="0"/>
+                        </a:spcAft>
+                      </a:pPr>
                       <a:r>
-                        <a:rPr lang="en-US" dirty="0">
-                          <a:sym typeface="Webdings" panose="05030102010509060703" pitchFamily="18" charset="2"/>
+                        <a:rPr lang="en-US" sz="1200" dirty="0">
+                          <a:effectLst/>
+                          <a:sym typeface="Wingdings 2" panose="05020102010507070707" pitchFamily="18" charset="2"/>
                         </a:rPr>
-                        <a:t></a:t>
+                        <a:t></a:t>
                       </a:r>
-                      <a:endParaRPr lang="en-US" dirty="0"/>
+                      <a:endParaRPr lang="en-US" sz="1200" dirty="0">
+                        <a:effectLst/>
+                        <a:latin typeface="Calibri" panose="020F0502020204030204" pitchFamily="34" charset="0"/>
+                        <a:ea typeface="Calibri" panose="020F0502020204030204" pitchFamily="34" charset="0"/>
+                        <a:cs typeface="Times New Roman" panose="02020603050405020304" pitchFamily="18" charset="0"/>
+                      </a:endParaRPr>
                     </a:p>
                   </a:txBody>
-                  <a:tcPr/>
+                  <a:tcPr marL="68580" marR="68580" marT="0" marB="0"/>
                 </a:tc>
                 <a:tc>
                   <a:txBody>
                     <a:bodyPr/>
                     <a:lstStyle/>
                     <a:p>
-                      <a:pPr algn="ctr"/>
+                      <a:pPr marL="0" marR="0" algn="ctr">
+                        <a:lnSpc>
+                          <a:spcPct val="107000"/>
+                        </a:lnSpc>
+                        <a:spcBef>
+                          <a:spcPts val="0"/>
+                        </a:spcBef>
+                        <a:spcAft>
+                          <a:spcPts val="0"/>
+                        </a:spcAft>
+                      </a:pPr>
                       <a:r>
-                        <a:rPr lang="en-US" sz="1800" b="1" dirty="0">
-                          <a:sym typeface="Webdings" panose="05030102010509060703" pitchFamily="18" charset="2"/>
+                        <a:rPr lang="en-US" sz="1200">
+                          <a:effectLst/>
+                          <a:sym typeface="Wingdings 2" panose="05020102010507070707" pitchFamily="18" charset="2"/>
                         </a:rPr>
-                        <a:t></a:t>
+                        <a:t></a:t>
                       </a:r>
-                      <a:endParaRPr lang="en-US" dirty="0"/>
+                      <a:endParaRPr lang="en-US" sz="1200">
+                        <a:effectLst/>
+                        <a:latin typeface="Calibri" panose="020F0502020204030204" pitchFamily="34" charset="0"/>
+                        <a:ea typeface="Calibri" panose="020F0502020204030204" pitchFamily="34" charset="0"/>
+                        <a:cs typeface="Times New Roman" panose="02020603050405020304" pitchFamily="18" charset="0"/>
+                      </a:endParaRPr>
                     </a:p>
                   </a:txBody>
-                  <a:tcPr/>
+                  <a:tcPr marL="68580" marR="68580" marT="0" marB="0"/>
                 </a:tc>
                 <a:extLst>
                   <a:ext uri="{0D108BD9-81ED-4DB2-BD59-A6C34878D82A}">
-                    <a16:rowId xmlns:a16="http://schemas.microsoft.com/office/drawing/2014/main" val="2500511460"/>
+                    <a16:rowId xmlns:a16="http://schemas.microsoft.com/office/drawing/2014/main" val="3592130354"/>
                   </a:ext>
                 </a:extLst>
               </a:tr>
-              <a:tr h="426924">
+              <a:tr h="428850">
                 <a:tc>
                   <a:txBody>
                     <a:bodyPr/>
                     <a:lstStyle/>
                     <a:p>
+                      <a:pPr marL="0" marR="0" algn="ctr">
+                        <a:lnSpc>
+                          <a:spcPct val="107000"/>
+                        </a:lnSpc>
+                        <a:spcBef>
+                          <a:spcPts val="0"/>
+                        </a:spcBef>
+                        <a:spcAft>
+                          <a:spcPts val="0"/>
+                        </a:spcAft>
+                      </a:pPr>
                       <a:r>
-                        <a:rPr lang="en-US" sz="1200" dirty="0"/>
-                        <a:t>Announcement area </a:t>
+                        <a:rPr lang="en-US" sz="1200">
+                          <a:effectLst/>
+                        </a:rPr>
+                        <a:t>Societies Page</a:t>
                       </a:r>
+                      <a:endParaRPr lang="en-US" sz="1200">
+                        <a:effectLst/>
+                        <a:latin typeface="Calibri" panose="020F0502020204030204" pitchFamily="34" charset="0"/>
+                        <a:ea typeface="Calibri" panose="020F0502020204030204" pitchFamily="34" charset="0"/>
+                        <a:cs typeface="Times New Roman" panose="02020603050405020304" pitchFamily="18" charset="0"/>
+                      </a:endParaRPr>
                     </a:p>
                   </a:txBody>
-                  <a:tcPr/>
+                  <a:tcPr marL="68580" marR="68580" marT="0" marB="0"/>
                 </a:tc>
                 <a:tc>
                   <a:txBody>
                     <a:bodyPr/>
                     <a:lstStyle/>
                     <a:p>
-                      <a:pPr marL="0" marR="0" indent="0" algn="ctr" defTabSz="914400" rtl="0" eaLnBrk="1" fontAlgn="auto" latinLnBrk="0" hangingPunct="1">
+                      <a:pPr marL="0" marR="0" algn="ctr">
                         <a:lnSpc>
-                          <a:spcPct val="100000"/>
+                          <a:spcPct val="107000"/>
                         </a:lnSpc>
                         <a:spcBef>
                           <a:spcPts val="0"/>
@@ -8337,32 +9158,32 @@
                         <a:spcAft>
                           <a:spcPts val="0"/>
                         </a:spcAft>
-                        <a:buClrTx/>
-                        <a:buSzTx/>
-                        <a:buFontTx/>
-                        <a:buNone/>
-                        <a:tabLst/>
-                        <a:defRPr/>
                       </a:pPr>
                       <a:r>
-                        <a:rPr lang="en-US" sz="1800" b="1" dirty="0">
-                          <a:sym typeface="Webdings" panose="05030102010509060703" pitchFamily="18" charset="2"/>
+                        <a:rPr lang="en-US" sz="1200">
+                          <a:effectLst/>
+                          <a:sym typeface="Wingdings 2" panose="05020102010507070707" pitchFamily="18" charset="2"/>
                         </a:rPr>
-                        <a:t></a:t>
+                        <a:t></a:t>
                       </a:r>
-                      <a:endParaRPr lang="en-US" sz="1800" b="1" dirty="0"/>
+                      <a:endParaRPr lang="en-US" sz="1200">
+                        <a:effectLst/>
+                        <a:latin typeface="Calibri" panose="020F0502020204030204" pitchFamily="34" charset="0"/>
+                        <a:ea typeface="Calibri" panose="020F0502020204030204" pitchFamily="34" charset="0"/>
+                        <a:cs typeface="Times New Roman" panose="02020603050405020304" pitchFamily="18" charset="0"/>
+                      </a:endParaRPr>
                     </a:p>
                   </a:txBody>
-                  <a:tcPr/>
+                  <a:tcPr marL="68580" marR="68580" marT="0" marB="0"/>
                 </a:tc>
                 <a:tc>
                   <a:txBody>
                     <a:bodyPr/>
                     <a:lstStyle/>
                     <a:p>
-                      <a:pPr marL="0" marR="0" indent="0" algn="ctr" defTabSz="914400" rtl="0" eaLnBrk="1" fontAlgn="auto" latinLnBrk="0" hangingPunct="1">
+                      <a:pPr marL="0" marR="0" algn="ctr">
                         <a:lnSpc>
-                          <a:spcPct val="100000"/>
+                          <a:spcPct val="107000"/>
                         </a:lnSpc>
                         <a:spcBef>
                           <a:spcPts val="0"/>
@@ -8370,125 +9191,203 @@
                         <a:spcAft>
                           <a:spcPts val="0"/>
                         </a:spcAft>
-                        <a:buClrTx/>
-                        <a:buSzTx/>
-                        <a:buFontTx/>
-                        <a:buNone/>
-                        <a:tabLst/>
-                        <a:defRPr/>
                       </a:pPr>
                       <a:r>
-                        <a:rPr lang="en-US" sz="1800" b="1" dirty="0">
-                          <a:sym typeface="Webdings" panose="05030102010509060703" pitchFamily="18" charset="2"/>
+                        <a:rPr lang="en-US" sz="1200">
+                          <a:effectLst/>
+                          <a:sym typeface="Wingdings 2" panose="05020102010507070707" pitchFamily="18" charset="2"/>
                         </a:rPr>
-                        <a:t></a:t>
+                        <a:t></a:t>
                       </a:r>
-                      <a:endParaRPr lang="en-US" sz="1800" b="1" dirty="0"/>
+                      <a:endParaRPr lang="en-US" sz="1200">
+                        <a:effectLst/>
+                        <a:latin typeface="Calibri" panose="020F0502020204030204" pitchFamily="34" charset="0"/>
+                        <a:ea typeface="Calibri" panose="020F0502020204030204" pitchFamily="34" charset="0"/>
+                        <a:cs typeface="Times New Roman" panose="02020603050405020304" pitchFamily="18" charset="0"/>
+                      </a:endParaRPr>
                     </a:p>
                   </a:txBody>
-                  <a:tcPr/>
+                  <a:tcPr marL="68580" marR="68580" marT="0" marB="0"/>
                 </a:tc>
                 <a:tc>
                   <a:txBody>
                     <a:bodyPr/>
                     <a:lstStyle/>
                     <a:p>
-                      <a:pPr algn="ctr"/>
+                      <a:pPr marL="0" marR="0" algn="ctr">
+                        <a:lnSpc>
+                          <a:spcPct val="107000"/>
+                        </a:lnSpc>
+                        <a:spcBef>
+                          <a:spcPts val="0"/>
+                        </a:spcBef>
+                        <a:spcAft>
+                          <a:spcPts val="0"/>
+                        </a:spcAft>
+                      </a:pPr>
                       <a:r>
-                        <a:rPr lang="en-US" sz="2000" b="1" dirty="0">
-                          <a:sym typeface="Webdings" panose="05030102010509060703" pitchFamily="18" charset="2"/>
+                        <a:rPr lang="en-US" sz="1200">
+                          <a:effectLst/>
+                          <a:sym typeface="Wingdings 2" panose="05020102010507070707" pitchFamily="18" charset="2"/>
                         </a:rPr>
-                        <a:t></a:t>
+                        <a:t></a:t>
                       </a:r>
-                      <a:endParaRPr lang="en-US" dirty="0"/>
+                      <a:endParaRPr lang="en-US" sz="1200">
+                        <a:effectLst/>
+                        <a:latin typeface="Calibri" panose="020F0502020204030204" pitchFamily="34" charset="0"/>
+                        <a:ea typeface="Calibri" panose="020F0502020204030204" pitchFamily="34" charset="0"/>
+                        <a:cs typeface="Times New Roman" panose="02020603050405020304" pitchFamily="18" charset="0"/>
+                      </a:endParaRPr>
                     </a:p>
                   </a:txBody>
-                  <a:tcPr/>
+                  <a:tcPr marL="68580" marR="68580" marT="0" marB="0"/>
                 </a:tc>
                 <a:tc>
                   <a:txBody>
                     <a:bodyPr/>
                     <a:lstStyle/>
                     <a:p>
-                      <a:pPr algn="ctr"/>
+                      <a:pPr marL="0" marR="0" algn="ctr">
+                        <a:lnSpc>
+                          <a:spcPct val="107000"/>
+                        </a:lnSpc>
+                        <a:spcBef>
+                          <a:spcPts val="0"/>
+                        </a:spcBef>
+                        <a:spcAft>
+                          <a:spcPts val="0"/>
+                        </a:spcAft>
+                      </a:pPr>
                       <a:r>
-                        <a:rPr lang="en-US" sz="2000" b="1">
-                          <a:sym typeface="Webdings" panose="05030102010509060703" pitchFamily="18" charset="2"/>
+                        <a:rPr lang="en-US" sz="1200">
+                          <a:effectLst/>
+                          <a:sym typeface="Wingdings 2" panose="05020102010507070707" pitchFamily="18" charset="2"/>
                         </a:rPr>
-                        <a:t></a:t>
+                        <a:t></a:t>
                       </a:r>
-                      <a:endParaRPr lang="en-US" dirty="0"/>
+                      <a:endParaRPr lang="en-US" sz="1200">
+                        <a:effectLst/>
+                        <a:latin typeface="Calibri" panose="020F0502020204030204" pitchFamily="34" charset="0"/>
+                        <a:ea typeface="Calibri" panose="020F0502020204030204" pitchFamily="34" charset="0"/>
+                        <a:cs typeface="Times New Roman" panose="02020603050405020304" pitchFamily="18" charset="0"/>
+                      </a:endParaRPr>
                     </a:p>
                   </a:txBody>
-                  <a:tcPr/>
+                  <a:tcPr marL="68580" marR="68580" marT="0" marB="0"/>
                 </a:tc>
                 <a:tc>
                   <a:txBody>
                     <a:bodyPr/>
                     <a:lstStyle/>
                     <a:p>
-                      <a:pPr algn="ctr"/>
+                      <a:pPr marL="0" marR="0" algn="ctr">
+                        <a:lnSpc>
+                          <a:spcPct val="107000"/>
+                        </a:lnSpc>
+                        <a:spcBef>
+                          <a:spcPts val="0"/>
+                        </a:spcBef>
+                        <a:spcAft>
+                          <a:spcPts val="0"/>
+                        </a:spcAft>
+                      </a:pPr>
                       <a:r>
-                        <a:rPr lang="en-US" sz="2000" b="1" dirty="0">
-                          <a:sym typeface="Webdings" panose="05030102010509060703" pitchFamily="18" charset="2"/>
+                        <a:rPr lang="en-US" sz="1200" dirty="0">
+                          <a:effectLst/>
+                          <a:sym typeface="Wingdings 2" panose="05020102010507070707" pitchFamily="18" charset="2"/>
                         </a:rPr>
-                        <a:t></a:t>
+                        <a:t></a:t>
                       </a:r>
-                      <a:endParaRPr lang="en-US" dirty="0"/>
+                      <a:endParaRPr lang="en-US" sz="1200" dirty="0">
+                        <a:effectLst/>
+                        <a:latin typeface="Calibri" panose="020F0502020204030204" pitchFamily="34" charset="0"/>
+                        <a:ea typeface="Calibri" panose="020F0502020204030204" pitchFamily="34" charset="0"/>
+                        <a:cs typeface="Times New Roman" panose="02020603050405020304" pitchFamily="18" charset="0"/>
+                      </a:endParaRPr>
                     </a:p>
                   </a:txBody>
-                  <a:tcPr/>
+                  <a:tcPr marL="68580" marR="68580" marT="0" marB="0"/>
                 </a:tc>
                 <a:tc>
                   <a:txBody>
                     <a:bodyPr/>
                     <a:lstStyle/>
                     <a:p>
-                      <a:pPr algn="ctr"/>
+                      <a:pPr marL="0" marR="0" algn="ctr">
+                        <a:lnSpc>
+                          <a:spcPct val="107000"/>
+                        </a:lnSpc>
+                        <a:spcBef>
+                          <a:spcPts val="0"/>
+                        </a:spcBef>
+                        <a:spcAft>
+                          <a:spcPts val="0"/>
+                        </a:spcAft>
+                      </a:pPr>
                       <a:r>
-                        <a:rPr lang="en-US" sz="1800" b="1" dirty="0">
-                          <a:sym typeface="Webdings" panose="05030102010509060703" pitchFamily="18" charset="2"/>
+                        <a:rPr lang="en-US" sz="1200" dirty="0">
+                          <a:effectLst/>
+                          <a:sym typeface="Wingdings 2" panose="05020102010507070707" pitchFamily="18" charset="2"/>
                         </a:rPr>
-                        <a:t></a:t>
+                        <a:t></a:t>
                       </a:r>
-                      <a:endParaRPr lang="en-US" dirty="0"/>
+                      <a:endParaRPr lang="en-US" sz="1200" dirty="0">
+                        <a:effectLst/>
+                        <a:latin typeface="Calibri" panose="020F0502020204030204" pitchFamily="34" charset="0"/>
+                        <a:ea typeface="Calibri" panose="020F0502020204030204" pitchFamily="34" charset="0"/>
+                        <a:cs typeface="Times New Roman" panose="02020603050405020304" pitchFamily="18" charset="0"/>
+                      </a:endParaRPr>
                     </a:p>
                   </a:txBody>
-                  <a:tcPr/>
+                  <a:tcPr marL="68580" marR="68580" marT="0" marB="0"/>
                 </a:tc>
                 <a:extLst>
                   <a:ext uri="{0D108BD9-81ED-4DB2-BD59-A6C34878D82A}">
-                    <a16:rowId xmlns:a16="http://schemas.microsoft.com/office/drawing/2014/main" val="796088887"/>
+                    <a16:rowId xmlns:a16="http://schemas.microsoft.com/office/drawing/2014/main" val="299779590"/>
                   </a:ext>
                 </a:extLst>
               </a:tr>
-              <a:tr h="597694">
+              <a:tr h="399575">
                 <a:tc>
                   <a:txBody>
                     <a:bodyPr/>
                     <a:lstStyle/>
                     <a:p>
+                      <a:pPr marL="0" marR="0" algn="ctr">
+                        <a:lnSpc>
+                          <a:spcPct val="107000"/>
+                        </a:lnSpc>
+                        <a:spcBef>
+                          <a:spcPts val="0"/>
+                        </a:spcBef>
+                        <a:spcAft>
+                          <a:spcPts val="0"/>
+                        </a:spcAft>
+                      </a:pPr>
                       <a:r>
-                        <a:rPr lang="en-US" sz="1200" dirty="0"/>
-                        <a:t>HOD and Coordinator logins</a:t>
+                        <a:rPr lang="en-US" sz="1200">
+                          <a:effectLst/>
+                        </a:rPr>
+                        <a:t>Chat bot</a:t>
                       </a:r>
-                      <a:r>
-                        <a:rPr lang="en-US" sz="1200" baseline="0" dirty="0"/>
-                        <a:t> </a:t>
-                      </a:r>
-                      <a:endParaRPr lang="en-US" sz="1200" dirty="0"/>
+                      <a:endParaRPr lang="en-US" sz="1200">
+                        <a:effectLst/>
+                        <a:latin typeface="Calibri" panose="020F0502020204030204" pitchFamily="34" charset="0"/>
+                        <a:ea typeface="Calibri" panose="020F0502020204030204" pitchFamily="34" charset="0"/>
+                        <a:cs typeface="Times New Roman" panose="02020603050405020304" pitchFamily="18" charset="0"/>
+                      </a:endParaRPr>
                     </a:p>
                   </a:txBody>
-                  <a:tcPr/>
+                  <a:tcPr marL="68580" marR="68580" marT="0" marB="0"/>
                 </a:tc>
                 <a:tc>
                   <a:txBody>
                     <a:bodyPr/>
                     <a:lstStyle/>
                     <a:p>
-                      <a:pPr marL="0" marR="0" indent="0" algn="ctr" defTabSz="914400" rtl="0" eaLnBrk="1" fontAlgn="auto" latinLnBrk="0" hangingPunct="1">
+                      <a:pPr marL="0" marR="0" algn="ctr">
                         <a:lnSpc>
-                          <a:spcPct val="100000"/>
+                          <a:spcPct val="107000"/>
                         </a:lnSpc>
                         <a:spcBef>
                           <a:spcPts val="0"/>
@@ -8496,32 +9395,32 @@
                         <a:spcAft>
                           <a:spcPts val="0"/>
                         </a:spcAft>
-                        <a:buClrTx/>
-                        <a:buSzTx/>
-                        <a:buFontTx/>
-                        <a:buNone/>
-                        <a:tabLst/>
-                        <a:defRPr/>
                       </a:pPr>
                       <a:r>
-                        <a:rPr lang="en-US" dirty="0">
-                          <a:sym typeface="Webdings" panose="05030102010509060703" pitchFamily="18" charset="2"/>
+                        <a:rPr lang="en-US" sz="1200">
+                          <a:effectLst/>
+                          <a:sym typeface="Wingdings 2" panose="05020102010507070707" pitchFamily="18" charset="2"/>
                         </a:rPr>
-                        <a:t></a:t>
+                        <a:t></a:t>
                       </a:r>
-                      <a:endParaRPr lang="en-US" dirty="0"/>
+                      <a:endParaRPr lang="en-US" sz="1200">
+                        <a:effectLst/>
+                        <a:latin typeface="Calibri" panose="020F0502020204030204" pitchFamily="34" charset="0"/>
+                        <a:ea typeface="Calibri" panose="020F0502020204030204" pitchFamily="34" charset="0"/>
+                        <a:cs typeface="Times New Roman" panose="02020603050405020304" pitchFamily="18" charset="0"/>
+                      </a:endParaRPr>
                     </a:p>
                   </a:txBody>
-                  <a:tcPr/>
+                  <a:tcPr marL="68580" marR="68580" marT="0" marB="0"/>
                 </a:tc>
                 <a:tc>
                   <a:txBody>
                     <a:bodyPr/>
                     <a:lstStyle/>
                     <a:p>
-                      <a:pPr marL="0" marR="0" indent="0" algn="ctr" defTabSz="914400" rtl="0" eaLnBrk="1" fontAlgn="auto" latinLnBrk="0" hangingPunct="1">
+                      <a:pPr marL="0" marR="0" algn="ctr">
                         <a:lnSpc>
-                          <a:spcPct val="100000"/>
+                          <a:spcPct val="107000"/>
                         </a:lnSpc>
                         <a:spcBef>
                           <a:spcPts val="0"/>
@@ -8529,409 +9428,159 @@
                         <a:spcAft>
                           <a:spcPts val="0"/>
                         </a:spcAft>
-                        <a:buClrTx/>
-                        <a:buSzTx/>
-                        <a:buFontTx/>
-                        <a:buNone/>
-                        <a:tabLst/>
-                        <a:defRPr/>
                       </a:pPr>
                       <a:r>
-                        <a:rPr lang="en-US" dirty="0">
-                          <a:sym typeface="Webdings" panose="05030102010509060703" pitchFamily="18" charset="2"/>
+                        <a:rPr lang="en-US" sz="1200">
+                          <a:effectLst/>
+                          <a:sym typeface="Wingdings 2" panose="05020102010507070707" pitchFamily="18" charset="2"/>
                         </a:rPr>
-                        <a:t></a:t>
+                        <a:t></a:t>
                       </a:r>
-                      <a:endParaRPr lang="en-US" dirty="0"/>
+                      <a:endParaRPr lang="en-US" sz="1200">
+                        <a:effectLst/>
+                        <a:latin typeface="Calibri" panose="020F0502020204030204" pitchFamily="34" charset="0"/>
+                        <a:ea typeface="Calibri" panose="020F0502020204030204" pitchFamily="34" charset="0"/>
+                        <a:cs typeface="Times New Roman" panose="02020603050405020304" pitchFamily="18" charset="0"/>
+                      </a:endParaRPr>
                     </a:p>
                   </a:txBody>
-                  <a:tcPr/>
+                  <a:tcPr marL="68580" marR="68580" marT="0" marB="0"/>
                 </a:tc>
                 <a:tc>
                   <a:txBody>
                     <a:bodyPr/>
                     <a:lstStyle/>
                     <a:p>
-                      <a:pPr algn="ctr"/>
+                      <a:pPr marL="0" marR="0" algn="ctr">
+                        <a:lnSpc>
+                          <a:spcPct val="107000"/>
+                        </a:lnSpc>
+                        <a:spcBef>
+                          <a:spcPts val="0"/>
+                        </a:spcBef>
+                        <a:spcAft>
+                          <a:spcPts val="0"/>
+                        </a:spcAft>
+                      </a:pPr>
                       <a:r>
-                        <a:rPr lang="en-US">
-                          <a:sym typeface="Webdings" panose="05030102010509060703" pitchFamily="18" charset="2"/>
+                        <a:rPr lang="en-US" sz="1200">
+                          <a:effectLst/>
+                          <a:sym typeface="Wingdings 2" panose="05020102010507070707" pitchFamily="18" charset="2"/>
                         </a:rPr>
-                        <a:t></a:t>
+                        <a:t></a:t>
                       </a:r>
-                      <a:endParaRPr lang="en-US" dirty="0"/>
+                      <a:endParaRPr lang="en-US" sz="1200">
+                        <a:effectLst/>
+                        <a:latin typeface="Calibri" panose="020F0502020204030204" pitchFamily="34" charset="0"/>
+                        <a:ea typeface="Calibri" panose="020F0502020204030204" pitchFamily="34" charset="0"/>
+                        <a:cs typeface="Times New Roman" panose="02020603050405020304" pitchFamily="18" charset="0"/>
+                      </a:endParaRPr>
                     </a:p>
                   </a:txBody>
-                  <a:tcPr/>
+                  <a:tcPr marL="68580" marR="68580" marT="0" marB="0"/>
                 </a:tc>
                 <a:tc>
                   <a:txBody>
                     <a:bodyPr/>
                     <a:lstStyle/>
                     <a:p>
-                      <a:pPr algn="ctr"/>
+                      <a:pPr marL="0" marR="0" algn="ctr">
+                        <a:lnSpc>
+                          <a:spcPct val="107000"/>
+                        </a:lnSpc>
+                        <a:spcBef>
+                          <a:spcPts val="0"/>
+                        </a:spcBef>
+                        <a:spcAft>
+                          <a:spcPts val="0"/>
+                        </a:spcAft>
+                      </a:pPr>
                       <a:r>
-                        <a:rPr lang="en-US">
-                          <a:sym typeface="Webdings" panose="05030102010509060703" pitchFamily="18" charset="2"/>
+                        <a:rPr lang="en-US" sz="1200">
+                          <a:effectLst/>
+                          <a:sym typeface="Wingdings 2" panose="05020102010507070707" pitchFamily="18" charset="2"/>
                         </a:rPr>
-                        <a:t></a:t>
+                        <a:t></a:t>
                       </a:r>
-                      <a:endParaRPr lang="en-US" dirty="0"/>
+                      <a:endParaRPr lang="en-US" sz="1200">
+                        <a:effectLst/>
+                        <a:latin typeface="Calibri" panose="020F0502020204030204" pitchFamily="34" charset="0"/>
+                        <a:ea typeface="Calibri" panose="020F0502020204030204" pitchFamily="34" charset="0"/>
+                        <a:cs typeface="Times New Roman" panose="02020603050405020304" pitchFamily="18" charset="0"/>
+                      </a:endParaRPr>
                     </a:p>
                   </a:txBody>
-                  <a:tcPr/>
+                  <a:tcPr marL="68580" marR="68580" marT="0" marB="0"/>
                 </a:tc>
                 <a:tc>
                   <a:txBody>
                     <a:bodyPr/>
                     <a:lstStyle/>
                     <a:p>
-                      <a:pPr algn="ctr"/>
+                      <a:pPr marL="0" marR="0" algn="ctr">
+                        <a:lnSpc>
+                          <a:spcPct val="107000"/>
+                        </a:lnSpc>
+                        <a:spcBef>
+                          <a:spcPts val="0"/>
+                        </a:spcBef>
+                        <a:spcAft>
+                          <a:spcPts val="0"/>
+                        </a:spcAft>
+                      </a:pPr>
                       <a:r>
-                        <a:rPr lang="en-US" dirty="0">
-                          <a:sym typeface="Webdings" panose="05030102010509060703" pitchFamily="18" charset="2"/>
+                        <a:rPr lang="en-US" sz="1200">
+                          <a:effectLst/>
+                          <a:sym typeface="Wingdings 2" panose="05020102010507070707" pitchFamily="18" charset="2"/>
                         </a:rPr>
-                        <a:t></a:t>
+                        <a:t></a:t>
                       </a:r>
-                      <a:endParaRPr lang="en-US" dirty="0"/>
+                      <a:endParaRPr lang="en-US" sz="1200">
+                        <a:effectLst/>
+                        <a:latin typeface="Calibri" panose="020F0502020204030204" pitchFamily="34" charset="0"/>
+                        <a:ea typeface="Calibri" panose="020F0502020204030204" pitchFamily="34" charset="0"/>
+                        <a:cs typeface="Times New Roman" panose="02020603050405020304" pitchFamily="18" charset="0"/>
+                      </a:endParaRPr>
                     </a:p>
                   </a:txBody>
-                  <a:tcPr/>
+                  <a:tcPr marL="68580" marR="68580" marT="0" marB="0"/>
                 </a:tc>
                 <a:tc>
                   <a:txBody>
                     <a:bodyPr/>
                     <a:lstStyle/>
                     <a:p>
-                      <a:pPr algn="ctr"/>
+                      <a:pPr marL="0" marR="0" algn="ctr">
+                        <a:lnSpc>
+                          <a:spcPct val="107000"/>
+                        </a:lnSpc>
+                        <a:spcBef>
+                          <a:spcPts val="0"/>
+                        </a:spcBef>
+                        <a:spcAft>
+                          <a:spcPts val="0"/>
+                        </a:spcAft>
+                      </a:pPr>
                       <a:r>
-                        <a:rPr lang="en-US" sz="1800" b="1" dirty="0">
-                          <a:sym typeface="Webdings" panose="05030102010509060703" pitchFamily="18" charset="2"/>
+                        <a:rPr lang="en-US" sz="1200" dirty="0">
+                          <a:effectLst/>
+                          <a:sym typeface="Wingdings 2" panose="05020102010507070707" pitchFamily="18" charset="2"/>
                         </a:rPr>
-                        <a:t></a:t>
+                        <a:t></a:t>
                       </a:r>
-                      <a:endParaRPr lang="en-US" dirty="0"/>
+                      <a:endParaRPr lang="en-US" sz="1200" dirty="0">
+                        <a:effectLst/>
+                        <a:latin typeface="Calibri" panose="020F0502020204030204" pitchFamily="34" charset="0"/>
+                        <a:ea typeface="Calibri" panose="020F0502020204030204" pitchFamily="34" charset="0"/>
+                        <a:cs typeface="Times New Roman" panose="02020603050405020304" pitchFamily="18" charset="0"/>
+                      </a:endParaRPr>
                     </a:p>
                   </a:txBody>
-                  <a:tcPr/>
+                  <a:tcPr marL="68580" marR="68580" marT="0" marB="0"/>
                 </a:tc>
                 <a:extLst>
                   <a:ext uri="{0D108BD9-81ED-4DB2-BD59-A6C34878D82A}">
-                    <a16:rowId xmlns:a16="http://schemas.microsoft.com/office/drawing/2014/main" val="661859258"/>
-                  </a:ext>
-                </a:extLst>
-              </a:tr>
-              <a:tr h="768464">
-                <a:tc>
-                  <a:txBody>
-                    <a:bodyPr/>
-                    <a:lstStyle/>
-                    <a:p>
-                      <a:r>
-                        <a:rPr lang="en-US" sz="1200" dirty="0"/>
-                        <a:t>Information</a:t>
-                      </a:r>
-                      <a:r>
-                        <a:rPr lang="en-US" sz="1200" baseline="0" dirty="0"/>
-                        <a:t> about department faculty, </a:t>
-                      </a:r>
-                      <a:endParaRPr lang="en-US" sz="1200" dirty="0"/>
-                    </a:p>
-                  </a:txBody>
-                  <a:tcPr/>
-                </a:tc>
-                <a:tc>
-                  <a:txBody>
-                    <a:bodyPr/>
-                    <a:lstStyle/>
-                    <a:p>
-                      <a:pPr marL="0" marR="0" indent="0" algn="ctr" defTabSz="914400" rtl="0" eaLnBrk="1" fontAlgn="auto" latinLnBrk="0" hangingPunct="1">
-                        <a:lnSpc>
-                          <a:spcPct val="100000"/>
-                        </a:lnSpc>
-                        <a:spcBef>
-                          <a:spcPts val="0"/>
-                        </a:spcBef>
-                        <a:spcAft>
-                          <a:spcPts val="0"/>
-                        </a:spcAft>
-                        <a:buClrTx/>
-                        <a:buSzTx/>
-                        <a:buFontTx/>
-                        <a:buNone/>
-                        <a:tabLst/>
-                        <a:defRPr/>
-                      </a:pPr>
-                      <a:r>
-                        <a:rPr lang="en-US" dirty="0">
-                          <a:sym typeface="Webdings" panose="05030102010509060703" pitchFamily="18" charset="2"/>
-                        </a:rPr>
-                        <a:t></a:t>
-                      </a:r>
-                      <a:endParaRPr lang="en-US" dirty="0"/>
-                    </a:p>
-                  </a:txBody>
-                  <a:tcPr/>
-                </a:tc>
-                <a:tc>
-                  <a:txBody>
-                    <a:bodyPr/>
-                    <a:lstStyle/>
-                    <a:p>
-                      <a:pPr marL="0" marR="0" indent="0" algn="ctr" defTabSz="914400" rtl="0" eaLnBrk="1" fontAlgn="auto" latinLnBrk="0" hangingPunct="1">
-                        <a:lnSpc>
-                          <a:spcPct val="100000"/>
-                        </a:lnSpc>
-                        <a:spcBef>
-                          <a:spcPts val="0"/>
-                        </a:spcBef>
-                        <a:spcAft>
-                          <a:spcPts val="0"/>
-                        </a:spcAft>
-                        <a:buClrTx/>
-                        <a:buSzTx/>
-                        <a:buFontTx/>
-                        <a:buNone/>
-                        <a:tabLst/>
-                        <a:defRPr/>
-                      </a:pPr>
-                      <a:r>
-                        <a:rPr lang="en-US" sz="1800" b="1" dirty="0">
-                          <a:sym typeface="Webdings" panose="05030102010509060703" pitchFamily="18" charset="2"/>
-                        </a:rPr>
-                        <a:t></a:t>
-                      </a:r>
-                      <a:endParaRPr lang="en-US" sz="1800" b="1" dirty="0"/>
-                    </a:p>
-                  </a:txBody>
-                  <a:tcPr/>
-                </a:tc>
-                <a:tc>
-                  <a:txBody>
-                    <a:bodyPr/>
-                    <a:lstStyle/>
-                    <a:p>
-                      <a:pPr algn="ctr"/>
-                      <a:r>
-                        <a:rPr lang="en-US" sz="2000" b="1" dirty="0">
-                          <a:sym typeface="Webdings" panose="05030102010509060703" pitchFamily="18" charset="2"/>
-                        </a:rPr>
-                        <a:t></a:t>
-                      </a:r>
-                      <a:endParaRPr lang="en-US" dirty="0"/>
-                    </a:p>
-                  </a:txBody>
-                  <a:tcPr/>
-                </a:tc>
-                <a:tc>
-                  <a:txBody>
-                    <a:bodyPr/>
-                    <a:lstStyle/>
-                    <a:p>
-                      <a:pPr algn="ctr"/>
-                      <a:r>
-                        <a:rPr lang="en-US" sz="2000" b="1">
-                          <a:sym typeface="Webdings" panose="05030102010509060703" pitchFamily="18" charset="2"/>
-                        </a:rPr>
-                        <a:t></a:t>
-                      </a:r>
-                      <a:endParaRPr lang="en-US" dirty="0"/>
-                    </a:p>
-                  </a:txBody>
-                  <a:tcPr/>
-                </a:tc>
-                <a:tc>
-                  <a:txBody>
-                    <a:bodyPr/>
-                    <a:lstStyle/>
-                    <a:p>
-                      <a:pPr algn="ctr"/>
-                      <a:r>
-                        <a:rPr lang="en-US" sz="2000" b="1" dirty="0">
-                          <a:sym typeface="Webdings" panose="05030102010509060703" pitchFamily="18" charset="2"/>
-                        </a:rPr>
-                        <a:t></a:t>
-                      </a:r>
-                      <a:endParaRPr lang="en-US" dirty="0"/>
-                    </a:p>
-                  </a:txBody>
-                  <a:tcPr/>
-                </a:tc>
-                <a:tc>
-                  <a:txBody>
-                    <a:bodyPr/>
-                    <a:lstStyle/>
-                    <a:p>
-                      <a:pPr algn="ctr"/>
-                      <a:r>
-                        <a:rPr lang="en-US" sz="1800" b="1" dirty="0">
-                          <a:sym typeface="Webdings" panose="05030102010509060703" pitchFamily="18" charset="2"/>
-                        </a:rPr>
-                        <a:t></a:t>
-                      </a:r>
-                      <a:endParaRPr lang="en-US" dirty="0"/>
-                    </a:p>
-                  </a:txBody>
-                  <a:tcPr/>
-                </a:tc>
-                <a:extLst>
-                  <a:ext uri="{0D108BD9-81ED-4DB2-BD59-A6C34878D82A}">
-                    <a16:rowId xmlns:a16="http://schemas.microsoft.com/office/drawing/2014/main" val="2328631765"/>
-                  </a:ext>
-                </a:extLst>
-              </a:tr>
-              <a:tr h="426924">
-                <a:tc>
-                  <a:txBody>
-                    <a:bodyPr/>
-                    <a:lstStyle/>
-                    <a:p>
-                      <a:r>
-                        <a:rPr lang="en-US" sz="1200" baseline="0" dirty="0"/>
-                        <a:t>Library Information</a:t>
-                      </a:r>
-                      <a:endParaRPr lang="en-US" sz="1200" dirty="0"/>
-                    </a:p>
-                  </a:txBody>
-                  <a:tcPr/>
-                </a:tc>
-                <a:tc>
-                  <a:txBody>
-                    <a:bodyPr/>
-                    <a:lstStyle/>
-                    <a:p>
-                      <a:pPr marL="0" marR="0" indent="0" algn="ctr" defTabSz="914400" rtl="0" eaLnBrk="1" fontAlgn="auto" latinLnBrk="0" hangingPunct="1">
-                        <a:lnSpc>
-                          <a:spcPct val="100000"/>
-                        </a:lnSpc>
-                        <a:spcBef>
-                          <a:spcPts val="0"/>
-                        </a:spcBef>
-                        <a:spcAft>
-                          <a:spcPts val="0"/>
-                        </a:spcAft>
-                        <a:buClrTx/>
-                        <a:buSzTx/>
-                        <a:buFontTx/>
-                        <a:buNone/>
-                        <a:tabLst/>
-                        <a:defRPr/>
-                      </a:pPr>
-                      <a:r>
-                        <a:rPr lang="en-US" sz="1800" b="1" dirty="0">
-                          <a:sym typeface="Webdings" panose="05030102010509060703" pitchFamily="18" charset="2"/>
-                        </a:rPr>
-                        <a:t></a:t>
-                      </a:r>
-                      <a:endParaRPr lang="en-US" sz="1800" b="1" dirty="0"/>
-                    </a:p>
-                  </a:txBody>
-                  <a:tcPr/>
-                </a:tc>
-                <a:tc>
-                  <a:txBody>
-                    <a:bodyPr/>
-                    <a:lstStyle/>
-                    <a:p>
-                      <a:pPr marL="0" marR="0" indent="0" algn="ctr" defTabSz="914400" rtl="0" eaLnBrk="1" fontAlgn="auto" latinLnBrk="0" hangingPunct="1">
-                        <a:lnSpc>
-                          <a:spcPct val="100000"/>
-                        </a:lnSpc>
-                        <a:spcBef>
-                          <a:spcPts val="0"/>
-                        </a:spcBef>
-                        <a:spcAft>
-                          <a:spcPts val="0"/>
-                        </a:spcAft>
-                        <a:buClrTx/>
-                        <a:buSzTx/>
-                        <a:buFontTx/>
-                        <a:buNone/>
-                        <a:tabLst/>
-                        <a:defRPr/>
-                      </a:pPr>
-                      <a:r>
-                        <a:rPr lang="en-US" sz="1800" b="1" dirty="0">
-                          <a:sym typeface="Webdings" panose="05030102010509060703" pitchFamily="18" charset="2"/>
-                        </a:rPr>
-                        <a:t></a:t>
-                      </a:r>
-                      <a:endParaRPr lang="en-US" sz="1800" b="1" dirty="0"/>
-                    </a:p>
-                  </a:txBody>
-                  <a:tcPr/>
-                </a:tc>
-                <a:tc>
-                  <a:txBody>
-                    <a:bodyPr/>
-                    <a:lstStyle/>
-                    <a:p>
-                      <a:pPr algn="ctr"/>
-                      <a:r>
-                        <a:rPr lang="en-US">
-                          <a:sym typeface="Webdings" panose="05030102010509060703" pitchFamily="18" charset="2"/>
-                        </a:rPr>
-                        <a:t></a:t>
-                      </a:r>
-                      <a:endParaRPr lang="en-US" dirty="0"/>
-                    </a:p>
-                  </a:txBody>
-                  <a:tcPr/>
-                </a:tc>
-                <a:tc>
-                  <a:txBody>
-                    <a:bodyPr/>
-                    <a:lstStyle/>
-                    <a:p>
-                      <a:pPr algn="ctr"/>
-                      <a:r>
-                        <a:rPr lang="en-US">
-                          <a:sym typeface="Webdings" panose="05030102010509060703" pitchFamily="18" charset="2"/>
-                        </a:rPr>
-                        <a:t></a:t>
-                      </a:r>
-                      <a:endParaRPr lang="en-US" dirty="0"/>
-                    </a:p>
-                  </a:txBody>
-                  <a:tcPr/>
-                </a:tc>
-                <a:tc>
-                  <a:txBody>
-                    <a:bodyPr/>
-                    <a:lstStyle/>
-                    <a:p>
-                      <a:pPr algn="ctr"/>
-                      <a:r>
-                        <a:rPr lang="en-US" dirty="0">
-                          <a:sym typeface="Webdings" panose="05030102010509060703" pitchFamily="18" charset="2"/>
-                        </a:rPr>
-                        <a:t></a:t>
-                      </a:r>
-                      <a:endParaRPr lang="en-US" dirty="0"/>
-                    </a:p>
-                  </a:txBody>
-                  <a:tcPr/>
-                </a:tc>
-                <a:tc>
-                  <a:txBody>
-                    <a:bodyPr/>
-                    <a:lstStyle/>
-                    <a:p>
-                      <a:pPr algn="ctr"/>
-                      <a:r>
-                        <a:rPr lang="en-US" sz="1800" b="1" dirty="0">
-                          <a:sym typeface="Webdings" panose="05030102010509060703" pitchFamily="18" charset="2"/>
-                        </a:rPr>
-                        <a:t></a:t>
-                      </a:r>
-                      <a:endParaRPr lang="en-US" dirty="0"/>
-                    </a:p>
-                  </a:txBody>
-                  <a:tcPr/>
-                </a:tc>
-                <a:extLst>
-                  <a:ext uri="{0D108BD9-81ED-4DB2-BD59-A6C34878D82A}">
-                    <a16:rowId xmlns:a16="http://schemas.microsoft.com/office/drawing/2014/main" val="1712902534"/>
+                    <a16:rowId xmlns:a16="http://schemas.microsoft.com/office/drawing/2014/main" val="1618484488"/>
                   </a:ext>
                 </a:extLst>
               </a:tr>
@@ -9153,14 +9802,14 @@
             <p:ph sz="quarter" idx="1"/>
             <p:extLst>
               <p:ext uri="{D42A27DB-BD31-4B8C-83A1-F6EECF244321}">
-                <p14:modId xmlns:p14="http://schemas.microsoft.com/office/powerpoint/2010/main" val="2265316587"/>
+                <p14:modId xmlns:p14="http://schemas.microsoft.com/office/powerpoint/2010/main" val="1355260805"/>
               </p:ext>
             </p:extLst>
           </p:nvPr>
         </p:nvGraphicFramePr>
         <p:xfrm>
           <a:off x="612775" y="1600200"/>
-          <a:ext cx="8153400" cy="4648200"/>
+          <a:ext cx="8153400" cy="3873500"/>
         </p:xfrm>
         <a:graphic>
           <a:graphicData uri="http://schemas.openxmlformats.org/drawingml/2006/table">
@@ -9387,109 +10036,6 @@
                 <a:extLst>
                   <a:ext uri="{0D108BD9-81ED-4DB2-BD59-A6C34878D82A}">
                     <a16:rowId xmlns:a16="http://schemas.microsoft.com/office/drawing/2014/main" val="4182508494"/>
-                  </a:ext>
-                </a:extLst>
-              </a:tr>
-              <a:tr h="774700">
-                <a:tc>
-                  <a:txBody>
-                    <a:bodyPr/>
-                    <a:lstStyle/>
-                    <a:p>
-                      <a:pPr marL="0" marR="0" algn="ctr">
-                        <a:lnSpc>
-                          <a:spcPct val="107000"/>
-                        </a:lnSpc>
-                        <a:spcBef>
-                          <a:spcPts val="0"/>
-                        </a:spcBef>
-                        <a:spcAft>
-                          <a:spcPts val="0"/>
-                        </a:spcAft>
-                      </a:pPr>
-                      <a:endParaRPr lang="en-US" sz="1600" cap="none" dirty="0">
-                        <a:effectLst/>
-                      </a:endParaRPr>
-                    </a:p>
-                    <a:p>
-                      <a:pPr marL="0" marR="0" algn="ctr">
-                        <a:lnSpc>
-                          <a:spcPct val="107000"/>
-                        </a:lnSpc>
-                        <a:spcBef>
-                          <a:spcPts val="0"/>
-                        </a:spcBef>
-                        <a:spcAft>
-                          <a:spcPts val="0"/>
-                        </a:spcAft>
-                      </a:pPr>
-                      <a:r>
-                        <a:rPr lang="en-US" sz="1600" cap="none" dirty="0">
-                          <a:effectLst/>
-                        </a:rPr>
-                        <a:t>Domain Hosting</a:t>
-                      </a:r>
-                    </a:p>
-                  </a:txBody>
-                  <a:tcPr marL="68580" marR="68580" marT="0" marB="0"/>
-                </a:tc>
-                <a:tc>
-                  <a:txBody>
-                    <a:bodyPr/>
-                    <a:lstStyle/>
-                    <a:p>
-                      <a:pPr marL="0" marR="0" algn="ctr">
-                        <a:lnSpc>
-                          <a:spcPct val="107000"/>
-                        </a:lnSpc>
-                        <a:spcBef>
-                          <a:spcPts val="0"/>
-                        </a:spcBef>
-                        <a:spcAft>
-                          <a:spcPts val="0"/>
-                        </a:spcAft>
-                      </a:pPr>
-                      <a:endParaRPr lang="en-US" sz="1600" dirty="0">
-                        <a:effectLst/>
-                      </a:endParaRPr>
-                    </a:p>
-                    <a:p>
-                      <a:pPr marL="0" marR="0" indent="0" algn="ctr" defTabSz="914400" rtl="0" eaLnBrk="1" fontAlgn="auto" latinLnBrk="0" hangingPunct="1">
-                        <a:lnSpc>
-                          <a:spcPct val="107000"/>
-                        </a:lnSpc>
-                        <a:spcBef>
-                          <a:spcPts val="0"/>
-                        </a:spcBef>
-                        <a:spcAft>
-                          <a:spcPts val="0"/>
-                        </a:spcAft>
-                        <a:buClrTx/>
-                        <a:buSzTx/>
-                        <a:buFontTx/>
-                        <a:buNone/>
-                        <a:tabLst/>
-                        <a:defRPr/>
-                      </a:pPr>
-                      <a:r>
-                        <a:rPr lang="en-US" sz="1600" dirty="0">
-                          <a:effectLst/>
-                        </a:rPr>
-                        <a:t>8000</a:t>
-                      </a:r>
-                      <a:endParaRPr lang="en-US" sz="1600" dirty="0">
-                        <a:effectLst/>
-                        <a:latin typeface="Calibri" panose="020F0502020204030204" pitchFamily="34" charset="0"/>
-                        <a:ea typeface="Calibri" panose="020F0502020204030204" pitchFamily="34" charset="0"/>
-                        <a:cs typeface="Times New Roman" panose="02020603050405020304" pitchFamily="18" charset="0"/>
-                      </a:endParaRPr>
-                    </a:p>
-                  </a:txBody>
-                  <a:tcPr marL="68580" marR="68580" marT="0" marB="0"/>
-                </a:tc>
-                <a:extLst>
-                  <a:ext uri="{0D108BD9-81ED-4DB2-BD59-A6C34878D82A}">
-                    <a16:rowId xmlns:a16="http://schemas.microsoft.com/office/drawing/2014/main" val="2343408195"/>
                   </a:ext>
                 </a:extLst>
               </a:tr>
@@ -9823,10 +10369,10 @@
                         <a:defRPr/>
                       </a:pPr>
                       <a:r>
-                        <a:rPr lang="en-US" sz="1600" dirty="0">
+                        <a:rPr lang="en-US" sz="1600" dirty="0" smtClean="0">
                           <a:effectLst/>
                         </a:rPr>
-                        <a:t>1,25,000</a:t>
+                        <a:t>1,17,000</a:t>
                       </a:r>
                       <a:endParaRPr lang="en-US" sz="1600" dirty="0">
                         <a:effectLst/>
